--- a/prezentacija.pptx
+++ b/prezentacija.pptx
@@ -5,18 +5,33 @@
     <p:sldMasterId id="2147483648" r:id="rId1"/>
   </p:sldMasterIdLst>
   <p:notesMasterIdLst>
-    <p:notesMasterId r:id="rId11"/>
+    <p:notesMasterId r:id="rId26"/>
   </p:notesMasterIdLst>
   <p:sldIdLst>
     <p:sldId id="256" r:id="rId2"/>
     <p:sldId id="258" r:id="rId3"/>
     <p:sldId id="257" r:id="rId4"/>
-    <p:sldId id="260" r:id="rId5"/>
-    <p:sldId id="262" r:id="rId6"/>
-    <p:sldId id="261" r:id="rId7"/>
-    <p:sldId id="263" r:id="rId8"/>
-    <p:sldId id="259" r:id="rId9"/>
-    <p:sldId id="264" r:id="rId10"/>
+    <p:sldId id="267" r:id="rId5"/>
+    <p:sldId id="272" r:id="rId6"/>
+    <p:sldId id="260" r:id="rId7"/>
+    <p:sldId id="265" r:id="rId8"/>
+    <p:sldId id="266" r:id="rId9"/>
+    <p:sldId id="268" r:id="rId10"/>
+    <p:sldId id="269" r:id="rId11"/>
+    <p:sldId id="262" r:id="rId12"/>
+    <p:sldId id="270" r:id="rId13"/>
+    <p:sldId id="271" r:id="rId14"/>
+    <p:sldId id="261" r:id="rId15"/>
+    <p:sldId id="273" r:id="rId16"/>
+    <p:sldId id="263" r:id="rId17"/>
+    <p:sldId id="274" r:id="rId18"/>
+    <p:sldId id="275" r:id="rId19"/>
+    <p:sldId id="276" r:id="rId20"/>
+    <p:sldId id="277" r:id="rId21"/>
+    <p:sldId id="278" r:id="rId22"/>
+    <p:sldId id="279" r:id="rId23"/>
+    <p:sldId id="259" r:id="rId24"/>
+    <p:sldId id="264" r:id="rId25"/>
   </p:sldIdLst>
   <p:sldSz cx="9144000" cy="5143500" type="screen16x9"/>
   <p:notesSz cx="6858000" cy="9144000"/>
@@ -200,6 +215,7 @@
           <a:p>
             <a:fld id="{9B146A53-EB57-4E2A-8559-788A70DE6F02}" type="datetimeFigureOut">
               <a:rPr lang="lv-LV" smtClean="0"/>
+              <a:pPr/>
               <a:t>2014.12.07.</a:t>
             </a:fld>
             <a:endParaRPr lang="lv-LV"/>
@@ -359,6 +375,7 @@
           <a:p>
             <a:fld id="{B13FE23E-3020-4521-84DA-88540D38A5F2}" type="slidenum">
               <a:rPr lang="lv-LV" smtClean="0"/>
+              <a:pPr/>
               <a:t>‹#›</a:t>
             </a:fld>
             <a:endParaRPr lang="lv-LV"/>
@@ -368,7 +385,7 @@
     </p:spTree>
     <p:extLst>
       <p:ext uri="{BB962C8B-B14F-4D97-AF65-F5344CB8AC3E}">
-        <p14:creationId xmlns:p14="http://schemas.microsoft.com/office/powerpoint/2010/main" val="1148391285"/>
+        <p14:creationId xmlns="" xmlns:p14="http://schemas.microsoft.com/office/powerpoint/2010/main" val="1148391285"/>
       </p:ext>
     </p:extLst>
   </p:cSld>
@@ -665,6 +682,7 @@
           <a:p>
             <a:fld id="{F3929083-EF34-4851-8E29-33303BE5AADD}" type="datetime1">
               <a:rPr lang="en-US" smtClean="0"/>
+              <a:pPr/>
               <a:t>12/7/2014</a:t>
             </a:fld>
             <a:endParaRPr lang="en-US"/>
@@ -707,6 +725,7 @@
           <a:p>
             <a:fld id="{57F272D7-7CCF-4E93-ABF6-394E7AD5E9BB}" type="slidenum">
               <a:rPr lang="en-US" smtClean="0"/>
+              <a:pPr/>
               <a:t>‹#›</a:t>
             </a:fld>
             <a:endParaRPr lang="en-US"/>
@@ -716,7 +735,7 @@
     </p:spTree>
     <p:extLst>
       <p:ext uri="{BB962C8B-B14F-4D97-AF65-F5344CB8AC3E}">
-        <p14:creationId xmlns:p14="http://schemas.microsoft.com/office/powerpoint/2010/main" val="98266583"/>
+        <p14:creationId xmlns="" xmlns:p14="http://schemas.microsoft.com/office/powerpoint/2010/main" val="98266583"/>
       </p:ext>
     </p:extLst>
   </p:cSld>
@@ -950,6 +969,7 @@
           <a:p>
             <a:fld id="{7B4BB4EF-10B9-4398-BA68-63366CB3742B}" type="datetime1">
               <a:rPr lang="en-US" smtClean="0"/>
+              <a:pPr/>
               <a:t>12/7/2014</a:t>
             </a:fld>
             <a:endParaRPr lang="en-US"/>
@@ -992,6 +1012,7 @@
           <a:p>
             <a:fld id="{57F272D7-7CCF-4E93-ABF6-394E7AD5E9BB}" type="slidenum">
               <a:rPr lang="en-US" smtClean="0"/>
+              <a:pPr/>
               <a:t>‹#›</a:t>
             </a:fld>
             <a:endParaRPr lang="en-US"/>
@@ -1001,7 +1022,7 @@
     </p:spTree>
     <p:extLst>
       <p:ext uri="{BB962C8B-B14F-4D97-AF65-F5344CB8AC3E}">
-        <p14:creationId xmlns:p14="http://schemas.microsoft.com/office/powerpoint/2010/main" val="3943228133"/>
+        <p14:creationId xmlns="" xmlns:p14="http://schemas.microsoft.com/office/powerpoint/2010/main" val="3943228133"/>
       </p:ext>
     </p:extLst>
   </p:cSld>
@@ -1066,6 +1087,7 @@
           <a:p>
             <a:fld id="{BA6A73D2-A473-460D-B88F-124A4B8CC853}" type="datetime1">
               <a:rPr lang="en-US" smtClean="0"/>
+              <a:pPr/>
               <a:t>12/7/2014</a:t>
             </a:fld>
             <a:endParaRPr lang="en-US"/>
@@ -1108,6 +1130,7 @@
           <a:p>
             <a:fld id="{57F272D7-7CCF-4E93-ABF6-394E7AD5E9BB}" type="slidenum">
               <a:rPr lang="en-US" smtClean="0"/>
+              <a:pPr/>
               <a:t>‹#›</a:t>
             </a:fld>
             <a:endParaRPr lang="en-US"/>
@@ -1291,7 +1314,7 @@
     </p:spTree>
     <p:extLst>
       <p:ext uri="{BB962C8B-B14F-4D97-AF65-F5344CB8AC3E}">
-        <p14:creationId xmlns:p14="http://schemas.microsoft.com/office/powerpoint/2010/main" val="3138159169"/>
+        <p14:creationId xmlns="" xmlns:p14="http://schemas.microsoft.com/office/powerpoint/2010/main" val="3138159169"/>
       </p:ext>
     </p:extLst>
   </p:cSld>
@@ -1460,6 +1483,7 @@
           <a:p>
             <a:fld id="{05CB43BF-F72E-4FDA-84EE-6BCAF7E09548}" type="datetime1">
               <a:rPr lang="en-US" smtClean="0"/>
+              <a:pPr/>
               <a:t>12/7/2014</a:t>
             </a:fld>
             <a:endParaRPr lang="en-US"/>
@@ -1538,6 +1562,7 @@
           <a:p>
             <a:fld id="{57F272D7-7CCF-4E93-ABF6-394E7AD5E9BB}" type="slidenum">
               <a:rPr lang="en-US" smtClean="0"/>
+              <a:pPr/>
               <a:t>‹#›</a:t>
             </a:fld>
             <a:endParaRPr lang="en-US"/>
@@ -1547,7 +1572,7 @@
     </p:spTree>
     <p:extLst>
       <p:ext uri="{BB962C8B-B14F-4D97-AF65-F5344CB8AC3E}">
-        <p14:creationId xmlns:p14="http://schemas.microsoft.com/office/powerpoint/2010/main" val="4223965965"/>
+        <p14:creationId xmlns="" xmlns:p14="http://schemas.microsoft.com/office/powerpoint/2010/main" val="4223965965"/>
       </p:ext>
     </p:extLst>
   </p:cSld>
@@ -1847,17 +1872,19 @@
         </p:nvSpPr>
         <p:spPr>
           <a:xfrm>
-            <a:off x="683568" y="3651870"/>
-            <a:ext cx="7772400" cy="901923"/>
+            <a:off x="683568" y="3562350"/>
+            <a:ext cx="7772400" cy="838201"/>
           </a:xfrm>
         </p:spPr>
         <p:txBody>
-          <a:bodyPr/>
-          <a:lstStyle/>
-          <a:p>
-            <a:r>
-              <a:rPr lang="en-US" dirty="0" smtClean="0"/>
-              <a:t>NAME OF PRESENTATION</a:t>
+          <a:bodyPr>
+            <a:normAutofit/>
+          </a:bodyPr>
+          <a:lstStyle/>
+          <a:p>
+            <a:r>
+              <a:rPr lang="lv-LV" dirty="0" smtClean="0"/>
+              <a:t>IIA lietotnes izstrāde</a:t>
             </a:r>
             <a:endParaRPr lang="en-US" dirty="0"/>
           </a:p>
@@ -1903,6 +1930,7 @@
           <a:p>
             <a:fld id="{57F272D7-7CCF-4E93-ABF6-394E7AD5E9BB}" type="slidenum">
               <a:rPr lang="en-US" sz="2800" kern="1600" smtClean="0"/>
+              <a:pPr/>
               <a:t>1</a:t>
             </a:fld>
             <a:endParaRPr lang="en-US" sz="2800" kern="1600" dirty="0"/>
@@ -1912,7 +1940,1601 @@
     </p:spTree>
     <p:extLst>
       <p:ext uri="{BB962C8B-B14F-4D97-AF65-F5344CB8AC3E}">
-        <p14:creationId xmlns:p14="http://schemas.microsoft.com/office/powerpoint/2010/main" val="3414231408"/>
+        <p14:creationId xmlns="" xmlns:p14="http://schemas.microsoft.com/office/powerpoint/2010/main" val="3414231408"/>
+      </p:ext>
+    </p:extLst>
+  </p:cSld>
+  <p:clrMapOvr>
+    <a:masterClrMapping/>
+  </p:clrMapOvr>
+  <p:timing>
+    <p:tnLst>
+      <p:par>
+        <p:cTn id="1" dur="indefinite" restart="never" nodeType="tmRoot"/>
+      </p:par>
+    </p:tnLst>
+  </p:timing>
+</p:sld>
+</file>
+
+<file path=ppt/slides/slide10.xml><?xml version="1.0" encoding="utf-8"?>
+<p:sld xmlns:a="http://schemas.openxmlformats.org/drawingml/2006/main" xmlns:r="http://schemas.openxmlformats.org/officeDocument/2006/relationships" xmlns:p="http://schemas.openxmlformats.org/presentationml/2006/main">
+  <p:cSld>
+    <p:spTree>
+      <p:nvGrpSpPr>
+        <p:cNvPr id="1" name=""/>
+        <p:cNvGrpSpPr/>
+        <p:nvPr/>
+      </p:nvGrpSpPr>
+      <p:grpSpPr>
+        <a:xfrm>
+          <a:off x="0" y="0"/>
+          <a:ext cx="0" cy="0"/>
+          <a:chOff x="0" y="0"/>
+          <a:chExt cx="0" cy="0"/>
+        </a:xfrm>
+      </p:grpSpPr>
+      <p:sp>
+        <p:nvSpPr>
+          <p:cNvPr id="2" name="Title 1"/>
+          <p:cNvSpPr>
+            <a:spLocks noGrp="1"/>
+          </p:cNvSpPr>
+          <p:nvPr>
+            <p:ph type="title"/>
+          </p:nvPr>
+        </p:nvSpPr>
+        <p:spPr/>
+        <p:txBody>
+          <a:bodyPr>
+            <a:normAutofit/>
+          </a:bodyPr>
+          <a:lstStyle/>
+          <a:p>
+            <a:r>
+              <a:rPr lang="lv-LV" sz="4000" dirty="0" smtClean="0"/>
+              <a:t>Eiro </a:t>
+            </a:r>
+            <a:r>
+              <a:rPr lang="lv-LV" sz="4000" dirty="0" smtClean="0"/>
+              <a:t>migrācija (V) (sarežģījumi)</a:t>
+            </a:r>
+            <a:endParaRPr lang="en-US" sz="4000" dirty="0"/>
+          </a:p>
+        </p:txBody>
+      </p:sp>
+      <p:sp>
+        <p:nvSpPr>
+          <p:cNvPr id="4" name="Slide Number Placeholder 3"/>
+          <p:cNvSpPr>
+            <a:spLocks noGrp="1"/>
+          </p:cNvSpPr>
+          <p:nvPr>
+            <p:ph type="sldNum" sz="quarter" idx="12"/>
+          </p:nvPr>
+        </p:nvSpPr>
+        <p:spPr/>
+        <p:txBody>
+          <a:bodyPr/>
+          <a:lstStyle/>
+          <a:p>
+            <a:fld id="{57F272D7-7CCF-4E93-ABF6-394E7AD5E9BB}" type="slidenum">
+              <a:rPr lang="en-US" smtClean="0"/>
+              <a:pPr/>
+              <a:t>10</a:t>
+            </a:fld>
+            <a:endParaRPr lang="en-US"/>
+          </a:p>
+        </p:txBody>
+      </p:sp>
+      <p:sp>
+        <p:nvSpPr>
+          <p:cNvPr id="6" name="Content Placeholder 2"/>
+          <p:cNvSpPr>
+            <a:spLocks noGrp="1"/>
+          </p:cNvSpPr>
+          <p:nvPr>
+            <p:ph idx="1"/>
+          </p:nvPr>
+        </p:nvSpPr>
+        <p:spPr>
+          <a:xfrm>
+            <a:off x="1905000" y="1352550"/>
+            <a:ext cx="6707088" cy="3428999"/>
+          </a:xfrm>
+        </p:spPr>
+        <p:txBody>
+          <a:bodyPr>
+            <a:normAutofit/>
+          </a:bodyPr>
+          <a:lstStyle/>
+          <a:p>
+            <a:r>
+              <a:rPr lang="lv-LV" dirty="0" smtClean="0"/>
+              <a:t>Mainīgas prasības</a:t>
+            </a:r>
+          </a:p>
+          <a:p>
+            <a:r>
+              <a:rPr lang="lv-LV" dirty="0" err="1" smtClean="0"/>
+              <a:t>Tuxedo</a:t>
+            </a:r>
+            <a:r>
+              <a:rPr lang="lv-LV" dirty="0" smtClean="0"/>
+              <a:t> servera izveide</a:t>
+            </a:r>
+            <a:endParaRPr lang="lv-LV" dirty="0" smtClean="0"/>
+          </a:p>
+          <a:p>
+            <a:endParaRPr lang="en-US" dirty="0"/>
+          </a:p>
+        </p:txBody>
+      </p:sp>
+    </p:spTree>
+    <p:extLst>
+      <p:ext uri="{BB962C8B-B14F-4D97-AF65-F5344CB8AC3E}">
+        <p14:creationId xmlns="" xmlns:p14="http://schemas.microsoft.com/office/powerpoint/2010/main" val="416347667"/>
+      </p:ext>
+    </p:extLst>
+  </p:cSld>
+  <p:clrMapOvr>
+    <a:masterClrMapping/>
+  </p:clrMapOvr>
+  <p:timing>
+    <p:tnLst>
+      <p:par>
+        <p:cTn id="1" dur="indefinite" restart="never" nodeType="tmRoot"/>
+      </p:par>
+    </p:tnLst>
+  </p:timing>
+</p:sld>
+</file>
+
+<file path=ppt/slides/slide11.xml><?xml version="1.0" encoding="utf-8"?>
+<p:sld xmlns:a="http://schemas.openxmlformats.org/drawingml/2006/main" xmlns:r="http://schemas.openxmlformats.org/officeDocument/2006/relationships" xmlns:p="http://schemas.openxmlformats.org/presentationml/2006/main">
+  <p:cSld>
+    <p:spTree>
+      <p:nvGrpSpPr>
+        <p:cNvPr id="1" name=""/>
+        <p:cNvGrpSpPr/>
+        <p:nvPr/>
+      </p:nvGrpSpPr>
+      <p:grpSpPr>
+        <a:xfrm>
+          <a:off x="0" y="0"/>
+          <a:ext cx="0" cy="0"/>
+          <a:chOff x="0" y="0"/>
+          <a:chExt cx="0" cy="0"/>
+        </a:xfrm>
+      </p:grpSpPr>
+      <p:sp>
+        <p:nvSpPr>
+          <p:cNvPr id="2" name="Title 1"/>
+          <p:cNvSpPr>
+            <a:spLocks noGrp="1"/>
+          </p:cNvSpPr>
+          <p:nvPr>
+            <p:ph type="title"/>
+          </p:nvPr>
+        </p:nvSpPr>
+        <p:spPr/>
+        <p:txBody>
+          <a:bodyPr>
+            <a:normAutofit fontScale="90000"/>
+          </a:bodyPr>
+          <a:lstStyle/>
+          <a:p>
+            <a:r>
+              <a:rPr lang="lv-LV" dirty="0" smtClean="0"/>
+              <a:t>Kriptogrāfisko atslēgu </a:t>
+            </a:r>
+            <a:r>
+              <a:rPr lang="lv-LV" dirty="0" err="1" smtClean="0"/>
+              <a:t>mig</a:t>
+            </a:r>
+            <a:r>
+              <a:rPr lang="lv-LV" dirty="0" smtClean="0"/>
+              <a:t>. (I)</a:t>
+            </a:r>
+            <a:endParaRPr lang="en-US" dirty="0"/>
+          </a:p>
+        </p:txBody>
+      </p:sp>
+      <p:sp>
+        <p:nvSpPr>
+          <p:cNvPr id="3" name="Content Placeholder 2"/>
+          <p:cNvSpPr>
+            <a:spLocks noGrp="1"/>
+          </p:cNvSpPr>
+          <p:nvPr>
+            <p:ph idx="1"/>
+          </p:nvPr>
+        </p:nvSpPr>
+        <p:spPr>
+          <a:xfrm>
+            <a:off x="1981200" y="2952750"/>
+            <a:ext cx="6707088" cy="990599"/>
+          </a:xfrm>
+        </p:spPr>
+        <p:txBody>
+          <a:bodyPr/>
+          <a:lstStyle/>
+          <a:p>
+            <a:r>
+              <a:rPr lang="lv-LV" dirty="0" smtClean="0"/>
+              <a:t>PL/SQL un SQL vaicājumu valoda</a:t>
+            </a:r>
+            <a:endParaRPr lang="en-US" dirty="0"/>
+          </a:p>
+        </p:txBody>
+      </p:sp>
+      <p:sp>
+        <p:nvSpPr>
+          <p:cNvPr id="4" name="Slide Number Placeholder 3"/>
+          <p:cNvSpPr>
+            <a:spLocks noGrp="1"/>
+          </p:cNvSpPr>
+          <p:nvPr>
+            <p:ph type="sldNum" sz="quarter" idx="12"/>
+          </p:nvPr>
+        </p:nvSpPr>
+        <p:spPr/>
+        <p:txBody>
+          <a:bodyPr/>
+          <a:lstStyle/>
+          <a:p>
+            <a:fld id="{57F272D7-7CCF-4E93-ABF6-394E7AD5E9BB}" type="slidenum">
+              <a:rPr lang="en-US" smtClean="0"/>
+              <a:pPr/>
+              <a:t>11</a:t>
+            </a:fld>
+            <a:endParaRPr lang="en-US"/>
+          </a:p>
+        </p:txBody>
+      </p:sp>
+      <p:sp>
+        <p:nvSpPr>
+          <p:cNvPr id="5" name="Content Placeholder 2"/>
+          <p:cNvSpPr txBox="1">
+            <a:spLocks/>
+          </p:cNvSpPr>
+          <p:nvPr/>
+        </p:nvSpPr>
+        <p:spPr>
+          <a:xfrm>
+            <a:off x="2133600" y="1047750"/>
+            <a:ext cx="6707088" cy="1447799"/>
+          </a:xfrm>
+          <a:prstGeom prst="rect">
+            <a:avLst/>
+          </a:prstGeom>
+        </p:spPr>
+        <p:txBody>
+          <a:bodyPr vert="horz" lIns="91440" tIns="45720" rIns="91440" bIns="45720" rtlCol="0">
+            <a:normAutofit lnSpcReduction="10000"/>
+          </a:bodyPr>
+          <a:lstStyle/>
+          <a:p>
+            <a:pPr marL="342900" marR="0" lvl="0" indent="-342900" algn="l" defTabSz="914400" rtl="0" eaLnBrk="1" fontAlgn="auto" latinLnBrk="0" hangingPunct="1">
+              <a:lnSpc>
+                <a:spcPct val="100000"/>
+              </a:lnSpc>
+              <a:spcBef>
+                <a:spcPct val="20000"/>
+              </a:spcBef>
+              <a:spcAft>
+                <a:spcPts val="0"/>
+              </a:spcAft>
+              <a:buClrTx/>
+              <a:buSzTx/>
+              <a:buFont typeface="Arial" panose="020B0604020202020204" pitchFamily="34" charset="0"/>
+              <a:buChar char="•"/>
+              <a:tabLst/>
+              <a:defRPr/>
+            </a:pPr>
+            <a:r>
+              <a:rPr lang="lv-LV" sz="3200" dirty="0" smtClean="0"/>
+              <a:t>Mērķis – pārvietot kriptogrāfiskās atslēgas no IIA sistēmas daļas uz kriptogrāfisko pārbaužu tabulām</a:t>
+            </a:r>
+            <a:endParaRPr kumimoji="0" lang="en-US" sz="3200" b="0" i="0" u="none" strike="noStrike" kern="1200" cap="none" spc="0" normalizeH="0" baseline="0" noProof="0" dirty="0">
+              <a:ln>
+                <a:noFill/>
+              </a:ln>
+              <a:solidFill>
+                <a:schemeClr val="tx1"/>
+              </a:solidFill>
+              <a:effectLst/>
+              <a:uLnTx/>
+              <a:uFillTx/>
+              <a:latin typeface="+mn-lt"/>
+              <a:ea typeface="+mn-ea"/>
+              <a:cs typeface="+mn-cs"/>
+            </a:endParaRPr>
+          </a:p>
+        </p:txBody>
+      </p:sp>
+      <p:sp>
+        <p:nvSpPr>
+          <p:cNvPr id="6" name="TextBox 5"/>
+          <p:cNvSpPr txBox="1"/>
+          <p:nvPr/>
+        </p:nvSpPr>
+        <p:spPr>
+          <a:xfrm>
+            <a:off x="1905000" y="2724150"/>
+            <a:ext cx="1424967" cy="369332"/>
+          </a:xfrm>
+          <a:prstGeom prst="rect">
+            <a:avLst/>
+          </a:prstGeom>
+          <a:noFill/>
+        </p:spPr>
+        <p:txBody>
+          <a:bodyPr wrap="square" rtlCol="0">
+            <a:spAutoFit/>
+          </a:bodyPr>
+          <a:lstStyle/>
+          <a:p>
+            <a:r>
+              <a:rPr lang="lv-LV" dirty="0" smtClean="0"/>
+              <a:t>Tehnoloģijas</a:t>
+            </a:r>
+            <a:endParaRPr lang="en-US" dirty="0"/>
+          </a:p>
+        </p:txBody>
+      </p:sp>
+    </p:spTree>
+    <p:extLst>
+      <p:ext uri="{BB962C8B-B14F-4D97-AF65-F5344CB8AC3E}">
+        <p14:creationId xmlns="" xmlns:p14="http://schemas.microsoft.com/office/powerpoint/2010/main" val="1774579012"/>
+      </p:ext>
+    </p:extLst>
+  </p:cSld>
+  <p:clrMapOvr>
+    <a:masterClrMapping/>
+  </p:clrMapOvr>
+  <p:timing>
+    <p:tnLst>
+      <p:par>
+        <p:cTn id="1" dur="indefinite" restart="never" nodeType="tmRoot"/>
+      </p:par>
+    </p:tnLst>
+  </p:timing>
+</p:sld>
+</file>
+
+<file path=ppt/slides/slide12.xml><?xml version="1.0" encoding="utf-8"?>
+<p:sld xmlns:a="http://schemas.openxmlformats.org/drawingml/2006/main" xmlns:r="http://schemas.openxmlformats.org/officeDocument/2006/relationships" xmlns:p="http://schemas.openxmlformats.org/presentationml/2006/main">
+  <p:cSld>
+    <p:spTree>
+      <p:nvGrpSpPr>
+        <p:cNvPr id="1" name=""/>
+        <p:cNvGrpSpPr/>
+        <p:nvPr/>
+      </p:nvGrpSpPr>
+      <p:grpSpPr>
+        <a:xfrm>
+          <a:off x="0" y="0"/>
+          <a:ext cx="0" cy="0"/>
+          <a:chOff x="0" y="0"/>
+          <a:chExt cx="0" cy="0"/>
+        </a:xfrm>
+      </p:grpSpPr>
+      <p:sp>
+        <p:nvSpPr>
+          <p:cNvPr id="2" name="Title 1"/>
+          <p:cNvSpPr>
+            <a:spLocks noGrp="1"/>
+          </p:cNvSpPr>
+          <p:nvPr>
+            <p:ph type="title"/>
+          </p:nvPr>
+        </p:nvSpPr>
+        <p:spPr/>
+        <p:txBody>
+          <a:bodyPr>
+            <a:normAutofit fontScale="90000"/>
+          </a:bodyPr>
+          <a:lstStyle/>
+          <a:p>
+            <a:r>
+              <a:rPr lang="lv-LV" dirty="0" smtClean="0"/>
+              <a:t>Kriptogrāfisko atslēgu </a:t>
+            </a:r>
+            <a:r>
+              <a:rPr lang="lv-LV" dirty="0" err="1" smtClean="0"/>
+              <a:t>mig</a:t>
+            </a:r>
+            <a:r>
+              <a:rPr lang="lv-LV" dirty="0" smtClean="0"/>
+              <a:t>. (II)</a:t>
+            </a:r>
+            <a:endParaRPr lang="en-US" dirty="0"/>
+          </a:p>
+        </p:txBody>
+      </p:sp>
+      <p:sp>
+        <p:nvSpPr>
+          <p:cNvPr id="4" name="Slide Number Placeholder 3"/>
+          <p:cNvSpPr>
+            <a:spLocks noGrp="1"/>
+          </p:cNvSpPr>
+          <p:nvPr>
+            <p:ph type="sldNum" sz="quarter" idx="12"/>
+          </p:nvPr>
+        </p:nvSpPr>
+        <p:spPr/>
+        <p:txBody>
+          <a:bodyPr/>
+          <a:lstStyle/>
+          <a:p>
+            <a:fld id="{57F272D7-7CCF-4E93-ABF6-394E7AD5E9BB}" type="slidenum">
+              <a:rPr lang="en-US" smtClean="0"/>
+              <a:pPr/>
+              <a:t>12</a:t>
+            </a:fld>
+            <a:endParaRPr lang="en-US"/>
+          </a:p>
+        </p:txBody>
+      </p:sp>
+      <p:pic>
+        <p:nvPicPr>
+          <p:cNvPr id="8" name="Picture 7" descr="crypto_migration_select_data.png"/>
+          <p:cNvPicPr>
+            <a:picLocks noChangeAspect="1"/>
+          </p:cNvPicPr>
+          <p:nvPr/>
+        </p:nvPicPr>
+        <p:blipFill>
+          <a:blip r:embed="rId2"/>
+          <a:stretch>
+            <a:fillRect/>
+          </a:stretch>
+        </p:blipFill>
+        <p:spPr>
+          <a:xfrm>
+            <a:off x="1905000" y="1200150"/>
+            <a:ext cx="7239000" cy="3233422"/>
+          </a:xfrm>
+          <a:prstGeom prst="rect">
+            <a:avLst/>
+          </a:prstGeom>
+        </p:spPr>
+      </p:pic>
+    </p:spTree>
+    <p:extLst>
+      <p:ext uri="{BB962C8B-B14F-4D97-AF65-F5344CB8AC3E}">
+        <p14:creationId xmlns="" xmlns:p14="http://schemas.microsoft.com/office/powerpoint/2010/main" val="1774579012"/>
+      </p:ext>
+    </p:extLst>
+  </p:cSld>
+  <p:clrMapOvr>
+    <a:masterClrMapping/>
+  </p:clrMapOvr>
+  <p:timing>
+    <p:tnLst>
+      <p:par>
+        <p:cTn id="1" dur="indefinite" restart="never" nodeType="tmRoot"/>
+      </p:par>
+    </p:tnLst>
+  </p:timing>
+</p:sld>
+</file>
+
+<file path=ppt/slides/slide13.xml><?xml version="1.0" encoding="utf-8"?>
+<p:sld xmlns:a="http://schemas.openxmlformats.org/drawingml/2006/main" xmlns:r="http://schemas.openxmlformats.org/officeDocument/2006/relationships" xmlns:p="http://schemas.openxmlformats.org/presentationml/2006/main">
+  <p:cSld>
+    <p:spTree>
+      <p:nvGrpSpPr>
+        <p:cNvPr id="1" name=""/>
+        <p:cNvGrpSpPr/>
+        <p:nvPr/>
+      </p:nvGrpSpPr>
+      <p:grpSpPr>
+        <a:xfrm>
+          <a:off x="0" y="0"/>
+          <a:ext cx="0" cy="0"/>
+          <a:chOff x="0" y="0"/>
+          <a:chExt cx="0" cy="0"/>
+        </a:xfrm>
+      </p:grpSpPr>
+      <p:sp>
+        <p:nvSpPr>
+          <p:cNvPr id="2" name="Title 1"/>
+          <p:cNvSpPr>
+            <a:spLocks noGrp="1"/>
+          </p:cNvSpPr>
+          <p:nvPr>
+            <p:ph type="title"/>
+          </p:nvPr>
+        </p:nvSpPr>
+        <p:spPr/>
+        <p:txBody>
+          <a:bodyPr>
+            <a:normAutofit fontScale="90000"/>
+          </a:bodyPr>
+          <a:lstStyle/>
+          <a:p>
+            <a:r>
+              <a:rPr lang="lv-LV" dirty="0" smtClean="0"/>
+              <a:t>Kriptogrāfisko atslēgu </a:t>
+            </a:r>
+            <a:r>
+              <a:rPr lang="lv-LV" dirty="0" err="1" smtClean="0"/>
+              <a:t>mig</a:t>
+            </a:r>
+            <a:r>
+              <a:rPr lang="lv-LV" dirty="0" smtClean="0"/>
+              <a:t>. (III)</a:t>
+            </a:r>
+            <a:endParaRPr lang="en-US" dirty="0"/>
+          </a:p>
+        </p:txBody>
+      </p:sp>
+      <p:sp>
+        <p:nvSpPr>
+          <p:cNvPr id="4" name="Slide Number Placeholder 3"/>
+          <p:cNvSpPr>
+            <a:spLocks noGrp="1"/>
+          </p:cNvSpPr>
+          <p:nvPr>
+            <p:ph type="sldNum" sz="quarter" idx="12"/>
+          </p:nvPr>
+        </p:nvSpPr>
+        <p:spPr/>
+        <p:txBody>
+          <a:bodyPr/>
+          <a:lstStyle/>
+          <a:p>
+            <a:fld id="{57F272D7-7CCF-4E93-ABF6-394E7AD5E9BB}" type="slidenum">
+              <a:rPr lang="en-US" smtClean="0"/>
+              <a:pPr/>
+              <a:t>13</a:t>
+            </a:fld>
+            <a:endParaRPr lang="en-US"/>
+          </a:p>
+        </p:txBody>
+      </p:sp>
+      <p:pic>
+        <p:nvPicPr>
+          <p:cNvPr id="5" name="Picture 4" descr="crypto_migration_gen_values.png"/>
+          <p:cNvPicPr>
+            <a:picLocks noChangeAspect="1"/>
+          </p:cNvPicPr>
+          <p:nvPr/>
+        </p:nvPicPr>
+        <p:blipFill>
+          <a:blip r:embed="rId2"/>
+          <a:stretch>
+            <a:fillRect/>
+          </a:stretch>
+        </p:blipFill>
+        <p:spPr>
+          <a:xfrm>
+            <a:off x="1905000" y="1581150"/>
+            <a:ext cx="7162800" cy="1981200"/>
+          </a:xfrm>
+          <a:prstGeom prst="rect">
+            <a:avLst/>
+          </a:prstGeom>
+        </p:spPr>
+      </p:pic>
+    </p:spTree>
+    <p:extLst>
+      <p:ext uri="{BB962C8B-B14F-4D97-AF65-F5344CB8AC3E}">
+        <p14:creationId xmlns="" xmlns:p14="http://schemas.microsoft.com/office/powerpoint/2010/main" val="1774579012"/>
+      </p:ext>
+    </p:extLst>
+  </p:cSld>
+  <p:clrMapOvr>
+    <a:masterClrMapping/>
+  </p:clrMapOvr>
+  <p:timing>
+    <p:tnLst>
+      <p:par>
+        <p:cTn id="1" dur="indefinite" restart="never" nodeType="tmRoot"/>
+      </p:par>
+    </p:tnLst>
+  </p:timing>
+</p:sld>
+</file>
+
+<file path=ppt/slides/slide14.xml><?xml version="1.0" encoding="utf-8"?>
+<p:sld xmlns:a="http://schemas.openxmlformats.org/drawingml/2006/main" xmlns:r="http://schemas.openxmlformats.org/officeDocument/2006/relationships" xmlns:p="http://schemas.openxmlformats.org/presentationml/2006/main">
+  <p:cSld>
+    <p:spTree>
+      <p:nvGrpSpPr>
+        <p:cNvPr id="1" name=""/>
+        <p:cNvGrpSpPr/>
+        <p:nvPr/>
+      </p:nvGrpSpPr>
+      <p:grpSpPr>
+        <a:xfrm>
+          <a:off x="0" y="0"/>
+          <a:ext cx="0" cy="0"/>
+          <a:chOff x="0" y="0"/>
+          <a:chExt cx="0" cy="0"/>
+        </a:xfrm>
+      </p:grpSpPr>
+      <p:sp>
+        <p:nvSpPr>
+          <p:cNvPr id="2" name="Title 1"/>
+          <p:cNvSpPr>
+            <a:spLocks noGrp="1"/>
+          </p:cNvSpPr>
+          <p:nvPr>
+            <p:ph type="title"/>
+          </p:nvPr>
+        </p:nvSpPr>
+        <p:spPr/>
+        <p:txBody>
+          <a:bodyPr>
+            <a:normAutofit fontScale="90000"/>
+          </a:bodyPr>
+          <a:lstStyle/>
+          <a:p>
+            <a:r>
+              <a:rPr lang="lv-LV" dirty="0" smtClean="0"/>
+              <a:t>Profila parametru </a:t>
+            </a:r>
+            <a:r>
+              <a:rPr lang="lv-LV" dirty="0" smtClean="0"/>
+              <a:t>migrācija (I)</a:t>
+            </a:r>
+            <a:endParaRPr lang="en-US" dirty="0"/>
+          </a:p>
+        </p:txBody>
+      </p:sp>
+      <p:sp>
+        <p:nvSpPr>
+          <p:cNvPr id="3" name="Content Placeholder 2"/>
+          <p:cNvSpPr>
+            <a:spLocks noGrp="1"/>
+          </p:cNvSpPr>
+          <p:nvPr>
+            <p:ph idx="1"/>
+          </p:nvPr>
+        </p:nvSpPr>
+        <p:spPr>
+          <a:xfrm>
+            <a:off x="1979712" y="3333749"/>
+            <a:ext cx="6707088" cy="1260873"/>
+          </a:xfrm>
+        </p:spPr>
+        <p:txBody>
+          <a:bodyPr/>
+          <a:lstStyle/>
+          <a:p>
+            <a:r>
+              <a:rPr lang="lv-LV" dirty="0" smtClean="0"/>
+              <a:t>PL/SQL un SQL vaicājumu valoda</a:t>
+            </a:r>
+            <a:endParaRPr lang="en-US" dirty="0"/>
+          </a:p>
+        </p:txBody>
+      </p:sp>
+      <p:sp>
+        <p:nvSpPr>
+          <p:cNvPr id="4" name="Slide Number Placeholder 3"/>
+          <p:cNvSpPr>
+            <a:spLocks noGrp="1"/>
+          </p:cNvSpPr>
+          <p:nvPr>
+            <p:ph type="sldNum" sz="quarter" idx="12"/>
+          </p:nvPr>
+        </p:nvSpPr>
+        <p:spPr/>
+        <p:txBody>
+          <a:bodyPr/>
+          <a:lstStyle/>
+          <a:p>
+            <a:fld id="{57F272D7-7CCF-4E93-ABF6-394E7AD5E9BB}" type="slidenum">
+              <a:rPr lang="en-US" smtClean="0"/>
+              <a:pPr/>
+              <a:t>14</a:t>
+            </a:fld>
+            <a:endParaRPr lang="en-US"/>
+          </a:p>
+        </p:txBody>
+      </p:sp>
+      <p:sp>
+        <p:nvSpPr>
+          <p:cNvPr id="5" name="TextBox 4"/>
+          <p:cNvSpPr txBox="1"/>
+          <p:nvPr/>
+        </p:nvSpPr>
+        <p:spPr>
+          <a:xfrm>
+            <a:off x="1905000" y="3105150"/>
+            <a:ext cx="1424967" cy="369332"/>
+          </a:xfrm>
+          <a:prstGeom prst="rect">
+            <a:avLst/>
+          </a:prstGeom>
+          <a:noFill/>
+        </p:spPr>
+        <p:txBody>
+          <a:bodyPr wrap="square" rtlCol="0">
+            <a:spAutoFit/>
+          </a:bodyPr>
+          <a:lstStyle/>
+          <a:p>
+            <a:r>
+              <a:rPr lang="lv-LV" dirty="0" smtClean="0"/>
+              <a:t>Tehnoloģijas</a:t>
+            </a:r>
+            <a:endParaRPr lang="en-US" dirty="0"/>
+          </a:p>
+        </p:txBody>
+      </p:sp>
+      <p:sp>
+        <p:nvSpPr>
+          <p:cNvPr id="6" name="Content Placeholder 2"/>
+          <p:cNvSpPr txBox="1">
+            <a:spLocks/>
+          </p:cNvSpPr>
+          <p:nvPr/>
+        </p:nvSpPr>
+        <p:spPr>
+          <a:xfrm>
+            <a:off x="2133600" y="1200151"/>
+            <a:ext cx="6707088" cy="1295400"/>
+          </a:xfrm>
+          <a:prstGeom prst="rect">
+            <a:avLst/>
+          </a:prstGeom>
+        </p:spPr>
+        <p:txBody>
+          <a:bodyPr vert="horz" lIns="91440" tIns="45720" rIns="91440" bIns="45720" rtlCol="0">
+            <a:normAutofit/>
+          </a:bodyPr>
+          <a:lstStyle/>
+          <a:p>
+            <a:pPr marL="342900" marR="0" lvl="0" indent="-342900" algn="l" defTabSz="914400" rtl="0" eaLnBrk="1" fontAlgn="auto" latinLnBrk="0" hangingPunct="1">
+              <a:lnSpc>
+                <a:spcPct val="100000"/>
+              </a:lnSpc>
+              <a:spcBef>
+                <a:spcPct val="20000"/>
+              </a:spcBef>
+              <a:spcAft>
+                <a:spcPts val="0"/>
+              </a:spcAft>
+              <a:buClrTx/>
+              <a:buSzTx/>
+              <a:buFont typeface="Arial" panose="020B0604020202020204" pitchFamily="34" charset="0"/>
+              <a:buChar char="•"/>
+              <a:tabLst/>
+              <a:defRPr/>
+            </a:pPr>
+            <a:r>
+              <a:rPr lang="lv-LV" sz="3200" dirty="0" smtClean="0"/>
+              <a:t>Mērķis – profila parametru atjaunošana un pievienošana</a:t>
+            </a:r>
+            <a:endParaRPr kumimoji="0" lang="en-US" sz="3200" b="0" i="0" u="none" strike="noStrike" kern="1200" cap="none" spc="0" normalizeH="0" baseline="0" noProof="0" dirty="0">
+              <a:ln>
+                <a:noFill/>
+              </a:ln>
+              <a:solidFill>
+                <a:schemeClr val="tx1"/>
+              </a:solidFill>
+              <a:effectLst/>
+              <a:uLnTx/>
+              <a:uFillTx/>
+              <a:latin typeface="+mn-lt"/>
+              <a:ea typeface="+mn-ea"/>
+              <a:cs typeface="+mn-cs"/>
+            </a:endParaRPr>
+          </a:p>
+        </p:txBody>
+      </p:sp>
+    </p:spTree>
+    <p:extLst>
+      <p:ext uri="{BB962C8B-B14F-4D97-AF65-F5344CB8AC3E}">
+        <p14:creationId xmlns="" xmlns:p14="http://schemas.microsoft.com/office/powerpoint/2010/main" val="416347667"/>
+      </p:ext>
+    </p:extLst>
+  </p:cSld>
+  <p:clrMapOvr>
+    <a:masterClrMapping/>
+  </p:clrMapOvr>
+  <p:timing>
+    <p:tnLst>
+      <p:par>
+        <p:cTn id="1" dur="indefinite" restart="never" nodeType="tmRoot"/>
+      </p:par>
+    </p:tnLst>
+  </p:timing>
+</p:sld>
+</file>
+
+<file path=ppt/slides/slide15.xml><?xml version="1.0" encoding="utf-8"?>
+<p:sld xmlns:a="http://schemas.openxmlformats.org/drawingml/2006/main" xmlns:r="http://schemas.openxmlformats.org/officeDocument/2006/relationships" xmlns:p="http://schemas.openxmlformats.org/presentationml/2006/main">
+  <p:cSld>
+    <p:spTree>
+      <p:nvGrpSpPr>
+        <p:cNvPr id="1" name=""/>
+        <p:cNvGrpSpPr/>
+        <p:nvPr/>
+      </p:nvGrpSpPr>
+      <p:grpSpPr>
+        <a:xfrm>
+          <a:off x="0" y="0"/>
+          <a:ext cx="0" cy="0"/>
+          <a:chOff x="0" y="0"/>
+          <a:chExt cx="0" cy="0"/>
+        </a:xfrm>
+      </p:grpSpPr>
+      <p:sp>
+        <p:nvSpPr>
+          <p:cNvPr id="2" name="Title 1"/>
+          <p:cNvSpPr>
+            <a:spLocks noGrp="1"/>
+          </p:cNvSpPr>
+          <p:nvPr>
+            <p:ph type="title"/>
+          </p:nvPr>
+        </p:nvSpPr>
+        <p:spPr/>
+        <p:txBody>
+          <a:bodyPr>
+            <a:normAutofit fontScale="90000"/>
+          </a:bodyPr>
+          <a:lstStyle/>
+          <a:p>
+            <a:r>
+              <a:rPr lang="lv-LV" dirty="0" smtClean="0"/>
+              <a:t>Profila parametru </a:t>
+            </a:r>
+            <a:r>
+              <a:rPr lang="lv-LV" dirty="0" smtClean="0"/>
+              <a:t>migrācija (II)</a:t>
+            </a:r>
+            <a:endParaRPr lang="en-US" dirty="0"/>
+          </a:p>
+        </p:txBody>
+      </p:sp>
+      <p:sp>
+        <p:nvSpPr>
+          <p:cNvPr id="4" name="Slide Number Placeholder 3"/>
+          <p:cNvSpPr>
+            <a:spLocks noGrp="1"/>
+          </p:cNvSpPr>
+          <p:nvPr>
+            <p:ph type="sldNum" sz="quarter" idx="12"/>
+          </p:nvPr>
+        </p:nvSpPr>
+        <p:spPr/>
+        <p:txBody>
+          <a:bodyPr/>
+          <a:lstStyle/>
+          <a:p>
+            <a:fld id="{57F272D7-7CCF-4E93-ABF6-394E7AD5E9BB}" type="slidenum">
+              <a:rPr lang="en-US" smtClean="0"/>
+              <a:pPr/>
+              <a:t>15</a:t>
+            </a:fld>
+            <a:endParaRPr lang="en-US"/>
+          </a:p>
+        </p:txBody>
+      </p:sp>
+      <p:pic>
+        <p:nvPicPr>
+          <p:cNvPr id="8" name="Content Placeholder 7" descr="migrate_param.png"/>
+          <p:cNvPicPr>
+            <a:picLocks noGrp="1" noChangeAspect="1"/>
+          </p:cNvPicPr>
+          <p:nvPr>
+            <p:ph idx="1"/>
+          </p:nvPr>
+        </p:nvPicPr>
+        <p:blipFill>
+          <a:blip r:embed="rId2"/>
+          <a:stretch>
+            <a:fillRect/>
+          </a:stretch>
+        </p:blipFill>
+        <p:spPr>
+          <a:xfrm>
+            <a:off x="3079814" y="1200150"/>
+            <a:ext cx="4506785" cy="3394075"/>
+          </a:xfrm>
+        </p:spPr>
+      </p:pic>
+    </p:spTree>
+    <p:extLst>
+      <p:ext uri="{BB962C8B-B14F-4D97-AF65-F5344CB8AC3E}">
+        <p14:creationId xmlns="" xmlns:p14="http://schemas.microsoft.com/office/powerpoint/2010/main" val="416347667"/>
+      </p:ext>
+    </p:extLst>
+  </p:cSld>
+  <p:clrMapOvr>
+    <a:masterClrMapping/>
+  </p:clrMapOvr>
+  <p:timing>
+    <p:tnLst>
+      <p:par>
+        <p:cTn id="1" dur="indefinite" restart="never" nodeType="tmRoot"/>
+      </p:par>
+    </p:tnLst>
+  </p:timing>
+</p:sld>
+</file>
+
+<file path=ppt/slides/slide16.xml><?xml version="1.0" encoding="utf-8"?>
+<p:sld xmlns:a="http://schemas.openxmlformats.org/drawingml/2006/main" xmlns:r="http://schemas.openxmlformats.org/officeDocument/2006/relationships" xmlns:p="http://schemas.openxmlformats.org/presentationml/2006/main">
+  <p:cSld>
+    <p:spTree>
+      <p:nvGrpSpPr>
+        <p:cNvPr id="1" name=""/>
+        <p:cNvGrpSpPr/>
+        <p:nvPr/>
+      </p:nvGrpSpPr>
+      <p:grpSpPr>
+        <a:xfrm>
+          <a:off x="0" y="0"/>
+          <a:ext cx="0" cy="0"/>
+          <a:chOff x="0" y="0"/>
+          <a:chExt cx="0" cy="0"/>
+        </a:xfrm>
+      </p:grpSpPr>
+      <p:sp>
+        <p:nvSpPr>
+          <p:cNvPr id="2" name="Title 1"/>
+          <p:cNvSpPr>
+            <a:spLocks noGrp="1"/>
+          </p:cNvSpPr>
+          <p:nvPr>
+            <p:ph type="title"/>
+          </p:nvPr>
+        </p:nvSpPr>
+        <p:spPr/>
+        <p:txBody>
+          <a:bodyPr/>
+          <a:lstStyle/>
+          <a:p>
+            <a:r>
+              <a:rPr lang="lv-LV" dirty="0" smtClean="0"/>
+              <a:t>Vaicājuma </a:t>
+            </a:r>
+            <a:r>
+              <a:rPr lang="lv-LV" dirty="0" smtClean="0"/>
+              <a:t>optimizācija (I)</a:t>
+            </a:r>
+            <a:endParaRPr lang="en-US" dirty="0"/>
+          </a:p>
+        </p:txBody>
+      </p:sp>
+      <p:sp>
+        <p:nvSpPr>
+          <p:cNvPr id="3" name="Content Placeholder 2"/>
+          <p:cNvSpPr>
+            <a:spLocks noGrp="1"/>
+          </p:cNvSpPr>
+          <p:nvPr>
+            <p:ph idx="1"/>
+          </p:nvPr>
+        </p:nvSpPr>
+        <p:spPr>
+          <a:xfrm>
+            <a:off x="1979712" y="1200151"/>
+            <a:ext cx="6707088" cy="609599"/>
+          </a:xfrm>
+        </p:spPr>
+        <p:txBody>
+          <a:bodyPr>
+            <a:normAutofit fontScale="62500" lnSpcReduction="20000"/>
+          </a:bodyPr>
+          <a:lstStyle/>
+          <a:p>
+            <a:r>
+              <a:rPr lang="lv-LV" dirty="0" smtClean="0"/>
+              <a:t>Mērķis – optimizēt  vaicājumu kartes informācijas iegūšanai</a:t>
+            </a:r>
+            <a:endParaRPr lang="lv-LV" dirty="0" smtClean="0"/>
+          </a:p>
+          <a:p>
+            <a:pPr>
+              <a:buNone/>
+            </a:pPr>
+            <a:endParaRPr lang="lv-LV" dirty="0" smtClean="0"/>
+          </a:p>
+        </p:txBody>
+      </p:sp>
+      <p:sp>
+        <p:nvSpPr>
+          <p:cNvPr id="4" name="Slide Number Placeholder 3"/>
+          <p:cNvSpPr>
+            <a:spLocks noGrp="1"/>
+          </p:cNvSpPr>
+          <p:nvPr>
+            <p:ph type="sldNum" sz="quarter" idx="12"/>
+          </p:nvPr>
+        </p:nvSpPr>
+        <p:spPr/>
+        <p:txBody>
+          <a:bodyPr/>
+          <a:lstStyle/>
+          <a:p>
+            <a:fld id="{57F272D7-7CCF-4E93-ABF6-394E7AD5E9BB}" type="slidenum">
+              <a:rPr lang="en-US" smtClean="0"/>
+              <a:pPr/>
+              <a:t>16</a:t>
+            </a:fld>
+            <a:endParaRPr lang="en-US"/>
+          </a:p>
+        </p:txBody>
+      </p:sp>
+      <p:grpSp>
+        <p:nvGrpSpPr>
+          <p:cNvPr id="7" name="Group 6"/>
+          <p:cNvGrpSpPr/>
+          <p:nvPr/>
+        </p:nvGrpSpPr>
+        <p:grpSpPr>
+          <a:xfrm>
+            <a:off x="1905000" y="3105150"/>
+            <a:ext cx="6781800" cy="1489472"/>
+            <a:chOff x="1905000" y="3105150"/>
+            <a:chExt cx="6781800" cy="1489472"/>
+          </a:xfrm>
+        </p:grpSpPr>
+        <p:sp>
+          <p:nvSpPr>
+            <p:cNvPr id="5" name="Content Placeholder 2"/>
+            <p:cNvSpPr txBox="1">
+              <a:spLocks/>
+            </p:cNvSpPr>
+            <p:nvPr/>
+          </p:nvSpPr>
+          <p:spPr>
+            <a:xfrm>
+              <a:off x="1979712" y="3333749"/>
+              <a:ext cx="6707088" cy="1260873"/>
+            </a:xfrm>
+            <a:prstGeom prst="rect">
+              <a:avLst/>
+            </a:prstGeom>
+          </p:spPr>
+          <p:txBody>
+            <a:bodyPr vert="horz" lIns="91440" tIns="45720" rIns="91440" bIns="45720" rtlCol="0">
+              <a:normAutofit/>
+            </a:bodyPr>
+            <a:lstStyle/>
+            <a:p>
+              <a:pPr marL="342900" marR="0" lvl="0" indent="-342900" algn="l" defTabSz="914400" rtl="0" eaLnBrk="1" fontAlgn="auto" latinLnBrk="0" hangingPunct="1">
+                <a:lnSpc>
+                  <a:spcPct val="100000"/>
+                </a:lnSpc>
+                <a:spcBef>
+                  <a:spcPct val="20000"/>
+                </a:spcBef>
+                <a:spcAft>
+                  <a:spcPts val="0"/>
+                </a:spcAft>
+                <a:buClrTx/>
+                <a:buSzTx/>
+                <a:buFont typeface="Arial" panose="020B0604020202020204" pitchFamily="34" charset="0"/>
+                <a:buChar char="•"/>
+                <a:tabLst/>
+                <a:defRPr/>
+              </a:pPr>
+              <a:r>
+                <a:rPr kumimoji="0" lang="lv-LV" sz="3200" b="0" i="0" u="none" strike="noStrike" kern="1200" cap="none" spc="0" normalizeH="0" baseline="0" noProof="0" dirty="0" smtClean="0">
+                  <a:ln>
+                    <a:noFill/>
+                  </a:ln>
+                  <a:solidFill>
+                    <a:schemeClr val="tx1"/>
+                  </a:solidFill>
+                  <a:effectLst/>
+                  <a:uLnTx/>
+                  <a:uFillTx/>
+                  <a:latin typeface="+mn-lt"/>
+                  <a:ea typeface="+mn-ea"/>
+                  <a:cs typeface="+mn-cs"/>
+                </a:rPr>
+                <a:t>SQL vaicājumu valoda</a:t>
+              </a:r>
+              <a:endParaRPr kumimoji="0" lang="en-US" sz="3200" b="0" i="0" u="none" strike="noStrike" kern="1200" cap="none" spc="0" normalizeH="0" baseline="0" noProof="0" dirty="0">
+                <a:ln>
+                  <a:noFill/>
+                </a:ln>
+                <a:solidFill>
+                  <a:schemeClr val="tx1"/>
+                </a:solidFill>
+                <a:effectLst/>
+                <a:uLnTx/>
+                <a:uFillTx/>
+                <a:latin typeface="+mn-lt"/>
+                <a:ea typeface="+mn-ea"/>
+                <a:cs typeface="+mn-cs"/>
+              </a:endParaRPr>
+            </a:p>
+          </p:txBody>
+        </p:sp>
+        <p:sp>
+          <p:nvSpPr>
+            <p:cNvPr id="6" name="TextBox 5"/>
+            <p:cNvSpPr txBox="1"/>
+            <p:nvPr/>
+          </p:nvSpPr>
+          <p:spPr>
+            <a:xfrm>
+              <a:off x="1905000" y="3105150"/>
+              <a:ext cx="1424967" cy="369332"/>
+            </a:xfrm>
+            <a:prstGeom prst="rect">
+              <a:avLst/>
+            </a:prstGeom>
+            <a:noFill/>
+          </p:spPr>
+          <p:txBody>
+            <a:bodyPr wrap="square" rtlCol="0">
+              <a:spAutoFit/>
+            </a:bodyPr>
+            <a:lstStyle/>
+            <a:p>
+              <a:r>
+                <a:rPr lang="lv-LV" dirty="0" smtClean="0"/>
+                <a:t>Tehnoloģijas</a:t>
+              </a:r>
+              <a:endParaRPr lang="en-US" dirty="0"/>
+            </a:p>
+          </p:txBody>
+        </p:sp>
+      </p:grpSp>
+    </p:spTree>
+    <p:extLst>
+      <p:ext uri="{BB962C8B-B14F-4D97-AF65-F5344CB8AC3E}">
+        <p14:creationId xmlns="" xmlns:p14="http://schemas.microsoft.com/office/powerpoint/2010/main" val="2799385361"/>
+      </p:ext>
+    </p:extLst>
+  </p:cSld>
+  <p:clrMapOvr>
+    <a:masterClrMapping/>
+  </p:clrMapOvr>
+  <p:timing>
+    <p:tnLst>
+      <p:par>
+        <p:cTn id="1" dur="indefinite" restart="never" nodeType="tmRoot"/>
+      </p:par>
+    </p:tnLst>
+  </p:timing>
+</p:sld>
+</file>
+
+<file path=ppt/slides/slide17.xml><?xml version="1.0" encoding="utf-8"?>
+<p:sld xmlns:a="http://schemas.openxmlformats.org/drawingml/2006/main" xmlns:r="http://schemas.openxmlformats.org/officeDocument/2006/relationships" xmlns:p="http://schemas.openxmlformats.org/presentationml/2006/main">
+  <p:cSld>
+    <p:spTree>
+      <p:nvGrpSpPr>
+        <p:cNvPr id="1" name=""/>
+        <p:cNvGrpSpPr/>
+        <p:nvPr/>
+      </p:nvGrpSpPr>
+      <p:grpSpPr>
+        <a:xfrm>
+          <a:off x="0" y="0"/>
+          <a:ext cx="0" cy="0"/>
+          <a:chOff x="0" y="0"/>
+          <a:chExt cx="0" cy="0"/>
+        </a:xfrm>
+      </p:grpSpPr>
+      <p:sp>
+        <p:nvSpPr>
+          <p:cNvPr id="2" name="Title 1"/>
+          <p:cNvSpPr>
+            <a:spLocks noGrp="1"/>
+          </p:cNvSpPr>
+          <p:nvPr>
+            <p:ph type="title"/>
+          </p:nvPr>
+        </p:nvSpPr>
+        <p:spPr/>
+        <p:txBody>
+          <a:bodyPr/>
+          <a:lstStyle/>
+          <a:p>
+            <a:r>
+              <a:rPr lang="lv-LV" dirty="0" smtClean="0"/>
+              <a:t>Vaicājuma </a:t>
+            </a:r>
+            <a:r>
+              <a:rPr lang="lv-LV" dirty="0" smtClean="0"/>
+              <a:t>optimizācija (II)</a:t>
+            </a:r>
+            <a:endParaRPr lang="en-US" dirty="0"/>
+          </a:p>
+        </p:txBody>
+      </p:sp>
+      <p:sp>
+        <p:nvSpPr>
+          <p:cNvPr id="4" name="Slide Number Placeholder 3"/>
+          <p:cNvSpPr>
+            <a:spLocks noGrp="1"/>
+          </p:cNvSpPr>
+          <p:nvPr>
+            <p:ph type="sldNum" sz="quarter" idx="12"/>
+          </p:nvPr>
+        </p:nvSpPr>
+        <p:spPr/>
+        <p:txBody>
+          <a:bodyPr/>
+          <a:lstStyle/>
+          <a:p>
+            <a:fld id="{57F272D7-7CCF-4E93-ABF6-394E7AD5E9BB}" type="slidenum">
+              <a:rPr lang="en-US" smtClean="0"/>
+              <a:pPr/>
+              <a:t>17</a:t>
+            </a:fld>
+            <a:endParaRPr lang="en-US"/>
+          </a:p>
+        </p:txBody>
+      </p:sp>
+      <p:pic>
+        <p:nvPicPr>
+          <p:cNvPr id="9" name="Content Placeholder 8" descr="sql_optimization.png"/>
+          <p:cNvPicPr>
+            <a:picLocks noGrp="1" noChangeAspect="1"/>
+          </p:cNvPicPr>
+          <p:nvPr>
+            <p:ph idx="1"/>
+          </p:nvPr>
+        </p:nvPicPr>
+        <p:blipFill>
+          <a:blip r:embed="rId2"/>
+          <a:stretch>
+            <a:fillRect/>
+          </a:stretch>
+        </p:blipFill>
+        <p:spPr>
+          <a:xfrm>
+            <a:off x="1979613" y="1986791"/>
+            <a:ext cx="6707187" cy="1855718"/>
+          </a:xfrm>
+        </p:spPr>
+      </p:pic>
+    </p:spTree>
+    <p:extLst>
+      <p:ext uri="{BB962C8B-B14F-4D97-AF65-F5344CB8AC3E}">
+        <p14:creationId xmlns="" xmlns:p14="http://schemas.microsoft.com/office/powerpoint/2010/main" val="2799385361"/>
+      </p:ext>
+    </p:extLst>
+  </p:cSld>
+  <p:clrMapOvr>
+    <a:masterClrMapping/>
+  </p:clrMapOvr>
+  <p:timing>
+    <p:tnLst>
+      <p:par>
+        <p:cTn id="1" dur="indefinite" restart="never" nodeType="tmRoot"/>
+      </p:par>
+    </p:tnLst>
+  </p:timing>
+</p:sld>
+</file>
+
+<file path=ppt/slides/slide18.xml><?xml version="1.0" encoding="utf-8"?>
+<p:sld xmlns:a="http://schemas.openxmlformats.org/drawingml/2006/main" xmlns:r="http://schemas.openxmlformats.org/officeDocument/2006/relationships" xmlns:p="http://schemas.openxmlformats.org/presentationml/2006/main">
+  <p:cSld>
+    <p:spTree>
+      <p:nvGrpSpPr>
+        <p:cNvPr id="1" name=""/>
+        <p:cNvGrpSpPr/>
+        <p:nvPr/>
+      </p:nvGrpSpPr>
+      <p:grpSpPr>
+        <a:xfrm>
+          <a:off x="0" y="0"/>
+          <a:ext cx="0" cy="0"/>
+          <a:chOff x="0" y="0"/>
+          <a:chExt cx="0" cy="0"/>
+        </a:xfrm>
+      </p:grpSpPr>
+      <p:sp>
+        <p:nvSpPr>
+          <p:cNvPr id="2" name="Title 1"/>
+          <p:cNvSpPr>
+            <a:spLocks noGrp="1"/>
+          </p:cNvSpPr>
+          <p:nvPr>
+            <p:ph type="title"/>
+          </p:nvPr>
+        </p:nvSpPr>
+        <p:spPr/>
+        <p:txBody>
+          <a:bodyPr>
+            <a:normAutofit/>
+          </a:bodyPr>
+          <a:lstStyle/>
+          <a:p>
+            <a:r>
+              <a:rPr lang="lv-LV" dirty="0" smtClean="0"/>
+              <a:t>Rindas </a:t>
+            </a:r>
+            <a:r>
+              <a:rPr lang="lv-LV" dirty="0" err="1" smtClean="0"/>
+              <a:t>konfig</a:t>
+            </a:r>
+            <a:r>
+              <a:rPr lang="lv-LV" dirty="0" smtClean="0"/>
+              <a:t>. ielasīšana (I)</a:t>
+            </a:r>
+            <a:endParaRPr lang="en-US" dirty="0"/>
+          </a:p>
+        </p:txBody>
+      </p:sp>
+      <p:sp>
+        <p:nvSpPr>
+          <p:cNvPr id="3" name="Content Placeholder 2"/>
+          <p:cNvSpPr>
+            <a:spLocks noGrp="1"/>
+          </p:cNvSpPr>
+          <p:nvPr>
+            <p:ph idx="1"/>
+          </p:nvPr>
+        </p:nvSpPr>
+        <p:spPr>
+          <a:xfrm>
+            <a:off x="1979712" y="3333749"/>
+            <a:ext cx="6707088" cy="1260873"/>
+          </a:xfrm>
+        </p:spPr>
+        <p:txBody>
+          <a:bodyPr/>
+          <a:lstStyle/>
+          <a:p>
+            <a:r>
+              <a:rPr lang="lv-LV" dirty="0" smtClean="0"/>
+              <a:t>C++ izstrādes valoda</a:t>
+            </a:r>
+          </a:p>
+          <a:p>
+            <a:r>
+              <a:rPr lang="lv-LV" dirty="0" err="1" smtClean="0"/>
+              <a:t>Tuxedo</a:t>
+            </a:r>
+            <a:endParaRPr lang="en-US" dirty="0"/>
+          </a:p>
+        </p:txBody>
+      </p:sp>
+      <p:sp>
+        <p:nvSpPr>
+          <p:cNvPr id="4" name="Slide Number Placeholder 3"/>
+          <p:cNvSpPr>
+            <a:spLocks noGrp="1"/>
+          </p:cNvSpPr>
+          <p:nvPr>
+            <p:ph type="sldNum" sz="quarter" idx="12"/>
+          </p:nvPr>
+        </p:nvSpPr>
+        <p:spPr/>
+        <p:txBody>
+          <a:bodyPr/>
+          <a:lstStyle/>
+          <a:p>
+            <a:fld id="{57F272D7-7CCF-4E93-ABF6-394E7AD5E9BB}" type="slidenum">
+              <a:rPr lang="en-US" smtClean="0"/>
+              <a:pPr/>
+              <a:t>18</a:t>
+            </a:fld>
+            <a:endParaRPr lang="en-US"/>
+          </a:p>
+        </p:txBody>
+      </p:sp>
+      <p:sp>
+        <p:nvSpPr>
+          <p:cNvPr id="5" name="TextBox 4"/>
+          <p:cNvSpPr txBox="1"/>
+          <p:nvPr/>
+        </p:nvSpPr>
+        <p:spPr>
+          <a:xfrm>
+            <a:off x="1905000" y="3105150"/>
+            <a:ext cx="1424967" cy="369332"/>
+          </a:xfrm>
+          <a:prstGeom prst="rect">
+            <a:avLst/>
+          </a:prstGeom>
+          <a:noFill/>
+        </p:spPr>
+        <p:txBody>
+          <a:bodyPr wrap="square" rtlCol="0">
+            <a:spAutoFit/>
+          </a:bodyPr>
+          <a:lstStyle/>
+          <a:p>
+            <a:r>
+              <a:rPr lang="lv-LV" dirty="0" smtClean="0"/>
+              <a:t>Tehnoloģijas</a:t>
+            </a:r>
+            <a:endParaRPr lang="en-US" dirty="0"/>
+          </a:p>
+        </p:txBody>
+      </p:sp>
+      <p:sp>
+        <p:nvSpPr>
+          <p:cNvPr id="6" name="Content Placeholder 2"/>
+          <p:cNvSpPr txBox="1">
+            <a:spLocks/>
+          </p:cNvSpPr>
+          <p:nvPr/>
+        </p:nvSpPr>
+        <p:spPr>
+          <a:xfrm>
+            <a:off x="2133600" y="1200150"/>
+            <a:ext cx="6707088" cy="1600199"/>
+          </a:xfrm>
+          <a:prstGeom prst="rect">
+            <a:avLst/>
+          </a:prstGeom>
+        </p:spPr>
+        <p:txBody>
+          <a:bodyPr vert="horz" lIns="91440" tIns="45720" rIns="91440" bIns="45720" rtlCol="0">
+            <a:normAutofit/>
+          </a:bodyPr>
+          <a:lstStyle/>
+          <a:p>
+            <a:pPr marL="342900" marR="0" lvl="0" indent="-342900" algn="l" defTabSz="914400" rtl="0" eaLnBrk="1" fontAlgn="auto" latinLnBrk="0" hangingPunct="1">
+              <a:lnSpc>
+                <a:spcPct val="100000"/>
+              </a:lnSpc>
+              <a:spcBef>
+                <a:spcPct val="20000"/>
+              </a:spcBef>
+              <a:spcAft>
+                <a:spcPts val="0"/>
+              </a:spcAft>
+              <a:buClrTx/>
+              <a:buSzTx/>
+              <a:buFont typeface="Arial" panose="020B0604020202020204" pitchFamily="34" charset="0"/>
+              <a:buChar char="•"/>
+              <a:tabLst/>
+              <a:defRPr/>
+            </a:pPr>
+            <a:r>
+              <a:rPr lang="lv-LV" sz="3200" dirty="0" smtClean="0"/>
+              <a:t>Mērķis – uzlabot esošo konfigurāciju, lai tā darbotos elastīgāk</a:t>
+            </a:r>
+            <a:endParaRPr kumimoji="0" lang="en-US" sz="3200" b="0" i="0" u="none" strike="noStrike" kern="1200" cap="none" spc="0" normalizeH="0" baseline="0" noProof="0" dirty="0">
+              <a:ln>
+                <a:noFill/>
+              </a:ln>
+              <a:solidFill>
+                <a:schemeClr val="tx1"/>
+              </a:solidFill>
+              <a:effectLst/>
+              <a:uLnTx/>
+              <a:uFillTx/>
+              <a:latin typeface="+mn-lt"/>
+              <a:ea typeface="+mn-ea"/>
+              <a:cs typeface="+mn-cs"/>
+            </a:endParaRPr>
+          </a:p>
+        </p:txBody>
+      </p:sp>
+    </p:spTree>
+    <p:extLst>
+      <p:ext uri="{BB962C8B-B14F-4D97-AF65-F5344CB8AC3E}">
+        <p14:creationId xmlns="" xmlns:p14="http://schemas.microsoft.com/office/powerpoint/2010/main" val="416347667"/>
+      </p:ext>
+    </p:extLst>
+  </p:cSld>
+  <p:clrMapOvr>
+    <a:masterClrMapping/>
+  </p:clrMapOvr>
+  <p:timing>
+    <p:tnLst>
+      <p:par>
+        <p:cTn id="1" dur="indefinite" restart="never" nodeType="tmRoot"/>
+      </p:par>
+    </p:tnLst>
+  </p:timing>
+</p:sld>
+</file>
+
+<file path=ppt/slides/slide19.xml><?xml version="1.0" encoding="utf-8"?>
+<p:sld xmlns:a="http://schemas.openxmlformats.org/drawingml/2006/main" xmlns:r="http://schemas.openxmlformats.org/officeDocument/2006/relationships" xmlns:p="http://schemas.openxmlformats.org/presentationml/2006/main">
+  <p:cSld>
+    <p:spTree>
+      <p:nvGrpSpPr>
+        <p:cNvPr id="1" name=""/>
+        <p:cNvGrpSpPr/>
+        <p:nvPr/>
+      </p:nvGrpSpPr>
+      <p:grpSpPr>
+        <a:xfrm>
+          <a:off x="0" y="0"/>
+          <a:ext cx="0" cy="0"/>
+          <a:chOff x="0" y="0"/>
+          <a:chExt cx="0" cy="0"/>
+        </a:xfrm>
+      </p:grpSpPr>
+      <p:sp>
+        <p:nvSpPr>
+          <p:cNvPr id="2" name="Title 1"/>
+          <p:cNvSpPr>
+            <a:spLocks noGrp="1"/>
+          </p:cNvSpPr>
+          <p:nvPr>
+            <p:ph type="title"/>
+          </p:nvPr>
+        </p:nvSpPr>
+        <p:spPr/>
+        <p:txBody>
+          <a:bodyPr>
+            <a:normAutofit/>
+          </a:bodyPr>
+          <a:lstStyle/>
+          <a:p>
+            <a:r>
+              <a:rPr lang="lv-LV" dirty="0" smtClean="0"/>
+              <a:t>Rindas </a:t>
+            </a:r>
+            <a:r>
+              <a:rPr lang="lv-LV" dirty="0" err="1" smtClean="0"/>
+              <a:t>konfig</a:t>
+            </a:r>
+            <a:r>
+              <a:rPr lang="lv-LV" dirty="0" smtClean="0"/>
+              <a:t>. ielasīšana (II)</a:t>
+            </a:r>
+            <a:endParaRPr lang="en-US" dirty="0"/>
+          </a:p>
+        </p:txBody>
+      </p:sp>
+      <p:sp>
+        <p:nvSpPr>
+          <p:cNvPr id="4" name="Slide Number Placeholder 3"/>
+          <p:cNvSpPr>
+            <a:spLocks noGrp="1"/>
+          </p:cNvSpPr>
+          <p:nvPr>
+            <p:ph type="sldNum" sz="quarter" idx="12"/>
+          </p:nvPr>
+        </p:nvSpPr>
+        <p:spPr/>
+        <p:txBody>
+          <a:bodyPr/>
+          <a:lstStyle/>
+          <a:p>
+            <a:fld id="{57F272D7-7CCF-4E93-ABF6-394E7AD5E9BB}" type="slidenum">
+              <a:rPr lang="en-US" smtClean="0"/>
+              <a:pPr/>
+              <a:t>19</a:t>
+            </a:fld>
+            <a:endParaRPr lang="en-US"/>
+          </a:p>
+        </p:txBody>
+      </p:sp>
+      <p:pic>
+        <p:nvPicPr>
+          <p:cNvPr id="8" name="Content Placeholder 7" descr="saf_export_main.png"/>
+          <p:cNvPicPr>
+            <a:picLocks noGrp="1" noChangeAspect="1"/>
+          </p:cNvPicPr>
+          <p:nvPr>
+            <p:ph idx="1"/>
+          </p:nvPr>
+        </p:nvPicPr>
+        <p:blipFill>
+          <a:blip r:embed="rId2"/>
+          <a:stretch>
+            <a:fillRect/>
+          </a:stretch>
+        </p:blipFill>
+        <p:spPr>
+          <a:xfrm>
+            <a:off x="1979613" y="1374455"/>
+            <a:ext cx="6707187" cy="3080389"/>
+          </a:xfrm>
+        </p:spPr>
+      </p:pic>
+    </p:spTree>
+    <p:extLst>
+      <p:ext uri="{BB962C8B-B14F-4D97-AF65-F5344CB8AC3E}">
+        <p14:creationId xmlns="" xmlns:p14="http://schemas.microsoft.com/office/powerpoint/2010/main" val="416347667"/>
       </p:ext>
     </p:extLst>
   </p:cSld>
@@ -1985,12 +3607,46 @@
         </p:nvSpPr>
         <p:spPr/>
         <p:txBody>
-          <a:bodyPr/>
-          <a:lstStyle/>
-          <a:p>
-            <a:r>
-              <a:rPr lang="lv-LV" dirty="0" smtClean="0"/>
-              <a:t>Tieto LV desciption and what I did</a:t>
+          <a:bodyPr>
+            <a:normAutofit fontScale="85000" lnSpcReduction="20000"/>
+          </a:bodyPr>
+          <a:lstStyle/>
+          <a:p>
+            <a:r>
+              <a:rPr lang="lv-LV" dirty="0" smtClean="0"/>
+              <a:t>Baltijā </a:t>
+            </a:r>
+            <a:r>
+              <a:rPr lang="lv-LV" dirty="0" smtClean="0"/>
+              <a:t>vadošais informācijas tehnoloģiju uzņēmums, kas specializējas dažādu informācijas sistēmu izveidē, nodrošinot pilna cikla pakalpojumu sniegšanu. Uzņēmuma informatīvāko un eksportspējīgāko produktu - “</a:t>
+            </a:r>
+            <a:r>
+              <a:rPr lang="lv-LV" dirty="0" err="1" smtClean="0"/>
+              <a:t>Card</a:t>
+            </a:r>
+            <a:r>
+              <a:rPr lang="lv-LV" dirty="0" smtClean="0"/>
+              <a:t> </a:t>
+            </a:r>
+            <a:r>
+              <a:rPr lang="lv-LV" dirty="0" err="1" smtClean="0"/>
+              <a:t>Suite</a:t>
+            </a:r>
+            <a:r>
+              <a:rPr lang="lv-LV" dirty="0" smtClean="0"/>
+              <a:t>” programmatūru, lieto vairāk nekā 400 finanšu institūcijas 33 pasaules </a:t>
+            </a:r>
+            <a:r>
+              <a:rPr lang="lv-LV" dirty="0" smtClean="0"/>
+              <a:t>valstīs. </a:t>
+            </a:r>
+            <a:r>
+              <a:rPr lang="lv-LV" dirty="0" smtClean="0"/>
+              <a:t>Latvijā uzņēmuma sniegto pakalpojumu kvalitāti nodrošina vairāk nekā 700 augsti kvalificēti un sertificēti </a:t>
+            </a:r>
+            <a:r>
+              <a:rPr lang="lv-LV" dirty="0" smtClean="0"/>
+              <a:t>speciālisti.</a:t>
             </a:r>
             <a:endParaRPr lang="en-US" dirty="0"/>
           </a:p>
@@ -2013,6 +3669,7 @@
           <a:p>
             <a:fld id="{57F272D7-7CCF-4E93-ABF6-394E7AD5E9BB}" type="slidenum">
               <a:rPr lang="en-US" smtClean="0"/>
+              <a:pPr/>
               <a:t>2</a:t>
             </a:fld>
             <a:endParaRPr lang="en-US"/>
@@ -2022,7 +3679,696 @@
     </p:spTree>
     <p:extLst>
       <p:ext uri="{BB962C8B-B14F-4D97-AF65-F5344CB8AC3E}">
-        <p14:creationId xmlns:p14="http://schemas.microsoft.com/office/powerpoint/2010/main" val="3659098608"/>
+        <p14:creationId xmlns="" xmlns:p14="http://schemas.microsoft.com/office/powerpoint/2010/main" val="3659098608"/>
+      </p:ext>
+    </p:extLst>
+  </p:cSld>
+  <p:clrMapOvr>
+    <a:masterClrMapping/>
+  </p:clrMapOvr>
+  <p:timing>
+    <p:tnLst>
+      <p:par>
+        <p:cTn id="1" dur="indefinite" restart="never" nodeType="tmRoot"/>
+      </p:par>
+    </p:tnLst>
+  </p:timing>
+</p:sld>
+</file>
+
+<file path=ppt/slides/slide20.xml><?xml version="1.0" encoding="utf-8"?>
+<p:sld xmlns:a="http://schemas.openxmlformats.org/drawingml/2006/main" xmlns:r="http://schemas.openxmlformats.org/officeDocument/2006/relationships" xmlns:p="http://schemas.openxmlformats.org/presentationml/2006/main">
+  <p:cSld>
+    <p:spTree>
+      <p:nvGrpSpPr>
+        <p:cNvPr id="1" name=""/>
+        <p:cNvGrpSpPr/>
+        <p:nvPr/>
+      </p:nvGrpSpPr>
+      <p:grpSpPr>
+        <a:xfrm>
+          <a:off x="0" y="0"/>
+          <a:ext cx="0" cy="0"/>
+          <a:chOff x="0" y="0"/>
+          <a:chExt cx="0" cy="0"/>
+        </a:xfrm>
+      </p:grpSpPr>
+      <p:sp>
+        <p:nvSpPr>
+          <p:cNvPr id="2" name="Title 1"/>
+          <p:cNvSpPr>
+            <a:spLocks noGrp="1"/>
+          </p:cNvSpPr>
+          <p:nvPr>
+            <p:ph type="title"/>
+          </p:nvPr>
+        </p:nvSpPr>
+        <p:spPr/>
+        <p:txBody>
+          <a:bodyPr>
+            <a:normAutofit/>
+          </a:bodyPr>
+          <a:lstStyle/>
+          <a:p>
+            <a:r>
+              <a:rPr lang="lv-LV" dirty="0" smtClean="0"/>
+              <a:t>Rindas </a:t>
+            </a:r>
+            <a:r>
+              <a:rPr lang="lv-LV" dirty="0" err="1" smtClean="0"/>
+              <a:t>konfig</a:t>
+            </a:r>
+            <a:r>
+              <a:rPr lang="lv-LV" dirty="0" smtClean="0"/>
+              <a:t>. ielasīšana (II)</a:t>
+            </a:r>
+            <a:endParaRPr lang="en-US" dirty="0"/>
+          </a:p>
+        </p:txBody>
+      </p:sp>
+      <p:sp>
+        <p:nvSpPr>
+          <p:cNvPr id="4" name="Slide Number Placeholder 3"/>
+          <p:cNvSpPr>
+            <a:spLocks noGrp="1"/>
+          </p:cNvSpPr>
+          <p:nvPr>
+            <p:ph type="sldNum" sz="quarter" idx="12"/>
+          </p:nvPr>
+        </p:nvSpPr>
+        <p:spPr/>
+        <p:txBody>
+          <a:bodyPr/>
+          <a:lstStyle/>
+          <a:p>
+            <a:fld id="{57F272D7-7CCF-4E93-ABF6-394E7AD5E9BB}" type="slidenum">
+              <a:rPr lang="en-US" smtClean="0"/>
+              <a:pPr/>
+              <a:t>20</a:t>
+            </a:fld>
+            <a:endParaRPr lang="en-US"/>
+          </a:p>
+        </p:txBody>
+      </p:sp>
+      <p:pic>
+        <p:nvPicPr>
+          <p:cNvPr id="7" name="Content Placeholder 6" descr="saf_export_direction_check.png"/>
+          <p:cNvPicPr>
+            <a:picLocks noGrp="1" noChangeAspect="1"/>
+          </p:cNvPicPr>
+          <p:nvPr>
+            <p:ph idx="1"/>
+          </p:nvPr>
+        </p:nvPicPr>
+        <p:blipFill>
+          <a:blip r:embed="rId2"/>
+          <a:stretch>
+            <a:fillRect/>
+          </a:stretch>
+        </p:blipFill>
+        <p:spPr>
+          <a:xfrm>
+            <a:off x="3042773" y="1200150"/>
+            <a:ext cx="4580867" cy="3394075"/>
+          </a:xfrm>
+        </p:spPr>
+      </p:pic>
+    </p:spTree>
+    <p:extLst>
+      <p:ext uri="{BB962C8B-B14F-4D97-AF65-F5344CB8AC3E}">
+        <p14:creationId xmlns="" xmlns:p14="http://schemas.microsoft.com/office/powerpoint/2010/main" val="416347667"/>
+      </p:ext>
+    </p:extLst>
+  </p:cSld>
+  <p:clrMapOvr>
+    <a:masterClrMapping/>
+  </p:clrMapOvr>
+  <p:timing>
+    <p:tnLst>
+      <p:par>
+        <p:cTn id="1" dur="indefinite" restart="never" nodeType="tmRoot"/>
+      </p:par>
+    </p:tnLst>
+  </p:timing>
+</p:sld>
+</file>
+
+<file path=ppt/slides/slide21.xml><?xml version="1.0" encoding="utf-8"?>
+<p:sld xmlns:a="http://schemas.openxmlformats.org/drawingml/2006/main" xmlns:r="http://schemas.openxmlformats.org/officeDocument/2006/relationships" xmlns:p="http://schemas.openxmlformats.org/presentationml/2006/main">
+  <p:cSld>
+    <p:spTree>
+      <p:nvGrpSpPr>
+        <p:cNvPr id="1" name=""/>
+        <p:cNvGrpSpPr/>
+        <p:nvPr/>
+      </p:nvGrpSpPr>
+      <p:grpSpPr>
+        <a:xfrm>
+          <a:off x="0" y="0"/>
+          <a:ext cx="0" cy="0"/>
+          <a:chOff x="0" y="0"/>
+          <a:chExt cx="0" cy="0"/>
+        </a:xfrm>
+      </p:grpSpPr>
+      <p:sp>
+        <p:nvSpPr>
+          <p:cNvPr id="2" name="Title 1"/>
+          <p:cNvSpPr>
+            <a:spLocks noGrp="1"/>
+          </p:cNvSpPr>
+          <p:nvPr>
+            <p:ph type="title"/>
+          </p:nvPr>
+        </p:nvSpPr>
+        <p:spPr/>
+        <p:txBody>
+          <a:bodyPr>
+            <a:normAutofit fontScale="90000"/>
+          </a:bodyPr>
+          <a:lstStyle/>
+          <a:p>
+            <a:r>
+              <a:rPr lang="lv-LV" dirty="0" smtClean="0"/>
+              <a:t>Telefona numura pārbaude (I)</a:t>
+            </a:r>
+            <a:endParaRPr lang="en-US" dirty="0"/>
+          </a:p>
+        </p:txBody>
+      </p:sp>
+      <p:sp>
+        <p:nvSpPr>
+          <p:cNvPr id="3" name="Content Placeholder 2"/>
+          <p:cNvSpPr>
+            <a:spLocks noGrp="1"/>
+          </p:cNvSpPr>
+          <p:nvPr>
+            <p:ph idx="1"/>
+          </p:nvPr>
+        </p:nvSpPr>
+        <p:spPr>
+          <a:xfrm>
+            <a:off x="1979712" y="3333749"/>
+            <a:ext cx="6707088" cy="1260873"/>
+          </a:xfrm>
+        </p:spPr>
+        <p:txBody>
+          <a:bodyPr/>
+          <a:lstStyle/>
+          <a:p>
+            <a:r>
+              <a:rPr lang="lv-LV" dirty="0" smtClean="0"/>
+              <a:t>C++ izstrādes valoda</a:t>
+            </a:r>
+          </a:p>
+          <a:p>
+            <a:r>
+              <a:rPr lang="lv-LV" dirty="0" err="1" smtClean="0"/>
+              <a:t>Tuxedo</a:t>
+            </a:r>
+            <a:endParaRPr lang="en-US" dirty="0"/>
+          </a:p>
+        </p:txBody>
+      </p:sp>
+      <p:sp>
+        <p:nvSpPr>
+          <p:cNvPr id="4" name="Slide Number Placeholder 3"/>
+          <p:cNvSpPr>
+            <a:spLocks noGrp="1"/>
+          </p:cNvSpPr>
+          <p:nvPr>
+            <p:ph type="sldNum" sz="quarter" idx="12"/>
+          </p:nvPr>
+        </p:nvSpPr>
+        <p:spPr/>
+        <p:txBody>
+          <a:bodyPr/>
+          <a:lstStyle/>
+          <a:p>
+            <a:fld id="{57F272D7-7CCF-4E93-ABF6-394E7AD5E9BB}" type="slidenum">
+              <a:rPr lang="en-US" smtClean="0"/>
+              <a:pPr/>
+              <a:t>21</a:t>
+            </a:fld>
+            <a:endParaRPr lang="en-US"/>
+          </a:p>
+        </p:txBody>
+      </p:sp>
+      <p:sp>
+        <p:nvSpPr>
+          <p:cNvPr id="5" name="TextBox 4"/>
+          <p:cNvSpPr txBox="1"/>
+          <p:nvPr/>
+        </p:nvSpPr>
+        <p:spPr>
+          <a:xfrm>
+            <a:off x="1905000" y="3105150"/>
+            <a:ext cx="1424967" cy="369332"/>
+          </a:xfrm>
+          <a:prstGeom prst="rect">
+            <a:avLst/>
+          </a:prstGeom>
+          <a:noFill/>
+        </p:spPr>
+        <p:txBody>
+          <a:bodyPr wrap="square" rtlCol="0">
+            <a:spAutoFit/>
+          </a:bodyPr>
+          <a:lstStyle/>
+          <a:p>
+            <a:r>
+              <a:rPr lang="lv-LV" dirty="0" smtClean="0"/>
+              <a:t>Tehnoloģijas</a:t>
+            </a:r>
+            <a:endParaRPr lang="en-US" dirty="0"/>
+          </a:p>
+        </p:txBody>
+      </p:sp>
+      <p:sp>
+        <p:nvSpPr>
+          <p:cNvPr id="6" name="Content Placeholder 2"/>
+          <p:cNvSpPr txBox="1">
+            <a:spLocks/>
+          </p:cNvSpPr>
+          <p:nvPr/>
+        </p:nvSpPr>
+        <p:spPr>
+          <a:xfrm>
+            <a:off x="2133600" y="1200150"/>
+            <a:ext cx="6707088" cy="1600199"/>
+          </a:xfrm>
+          <a:prstGeom prst="rect">
+            <a:avLst/>
+          </a:prstGeom>
+        </p:spPr>
+        <p:txBody>
+          <a:bodyPr vert="horz" lIns="91440" tIns="45720" rIns="91440" bIns="45720" rtlCol="0">
+            <a:normAutofit/>
+          </a:bodyPr>
+          <a:lstStyle/>
+          <a:p>
+            <a:pPr marL="342900" marR="0" lvl="0" indent="-342900" algn="l" defTabSz="914400" rtl="0" eaLnBrk="1" fontAlgn="auto" latinLnBrk="0" hangingPunct="1">
+              <a:lnSpc>
+                <a:spcPct val="100000"/>
+              </a:lnSpc>
+              <a:spcBef>
+                <a:spcPct val="20000"/>
+              </a:spcBef>
+              <a:spcAft>
+                <a:spcPts val="0"/>
+              </a:spcAft>
+              <a:buClrTx/>
+              <a:buSzTx/>
+              <a:buFont typeface="Arial" panose="020B0604020202020204" pitchFamily="34" charset="0"/>
+              <a:buChar char="•"/>
+              <a:tabLst/>
+              <a:defRPr/>
+            </a:pPr>
+            <a:r>
+              <a:rPr lang="lv-LV" sz="3200" dirty="0" smtClean="0"/>
+              <a:t>Mērķis – veikt telefona numura pārbaudi CUP kartēm</a:t>
+            </a:r>
+            <a:endParaRPr kumimoji="0" lang="en-US" sz="3200" b="0" i="0" u="none" strike="noStrike" kern="1200" cap="none" spc="0" normalizeH="0" baseline="0" noProof="0" dirty="0">
+              <a:ln>
+                <a:noFill/>
+              </a:ln>
+              <a:solidFill>
+                <a:schemeClr val="tx1"/>
+              </a:solidFill>
+              <a:effectLst/>
+              <a:uLnTx/>
+              <a:uFillTx/>
+              <a:latin typeface="+mn-lt"/>
+              <a:ea typeface="+mn-ea"/>
+              <a:cs typeface="+mn-cs"/>
+            </a:endParaRPr>
+          </a:p>
+        </p:txBody>
+      </p:sp>
+    </p:spTree>
+    <p:extLst>
+      <p:ext uri="{BB962C8B-B14F-4D97-AF65-F5344CB8AC3E}">
+        <p14:creationId xmlns="" xmlns:p14="http://schemas.microsoft.com/office/powerpoint/2010/main" val="416347667"/>
+      </p:ext>
+    </p:extLst>
+  </p:cSld>
+  <p:clrMapOvr>
+    <a:masterClrMapping/>
+  </p:clrMapOvr>
+  <p:timing>
+    <p:tnLst>
+      <p:par>
+        <p:cTn id="1" dur="indefinite" restart="never" nodeType="tmRoot"/>
+      </p:par>
+    </p:tnLst>
+  </p:timing>
+</p:sld>
+</file>
+
+<file path=ppt/slides/slide22.xml><?xml version="1.0" encoding="utf-8"?>
+<p:sld xmlns:a="http://schemas.openxmlformats.org/drawingml/2006/main" xmlns:r="http://schemas.openxmlformats.org/officeDocument/2006/relationships" xmlns:p="http://schemas.openxmlformats.org/presentationml/2006/main">
+  <p:cSld>
+    <p:spTree>
+      <p:nvGrpSpPr>
+        <p:cNvPr id="1" name=""/>
+        <p:cNvGrpSpPr/>
+        <p:nvPr/>
+      </p:nvGrpSpPr>
+      <p:grpSpPr>
+        <a:xfrm>
+          <a:off x="0" y="0"/>
+          <a:ext cx="0" cy="0"/>
+          <a:chOff x="0" y="0"/>
+          <a:chExt cx="0" cy="0"/>
+        </a:xfrm>
+      </p:grpSpPr>
+      <p:sp>
+        <p:nvSpPr>
+          <p:cNvPr id="2" name="Title 1"/>
+          <p:cNvSpPr>
+            <a:spLocks noGrp="1"/>
+          </p:cNvSpPr>
+          <p:nvPr>
+            <p:ph type="title"/>
+          </p:nvPr>
+        </p:nvSpPr>
+        <p:spPr/>
+        <p:txBody>
+          <a:bodyPr>
+            <a:normAutofit fontScale="90000"/>
+          </a:bodyPr>
+          <a:lstStyle/>
+          <a:p>
+            <a:r>
+              <a:rPr lang="lv-LV" dirty="0" smtClean="0"/>
+              <a:t>Telefona numura pārbaude (II)</a:t>
+            </a:r>
+            <a:endParaRPr lang="en-US" dirty="0"/>
+          </a:p>
+        </p:txBody>
+      </p:sp>
+      <p:sp>
+        <p:nvSpPr>
+          <p:cNvPr id="4" name="Slide Number Placeholder 3"/>
+          <p:cNvSpPr>
+            <a:spLocks noGrp="1"/>
+          </p:cNvSpPr>
+          <p:nvPr>
+            <p:ph type="sldNum" sz="quarter" idx="12"/>
+          </p:nvPr>
+        </p:nvSpPr>
+        <p:spPr/>
+        <p:txBody>
+          <a:bodyPr/>
+          <a:lstStyle/>
+          <a:p>
+            <a:fld id="{57F272D7-7CCF-4E93-ABF6-394E7AD5E9BB}" type="slidenum">
+              <a:rPr lang="en-US" smtClean="0"/>
+              <a:pPr/>
+              <a:t>22</a:t>
+            </a:fld>
+            <a:endParaRPr lang="en-US"/>
+          </a:p>
+        </p:txBody>
+      </p:sp>
+      <p:pic>
+        <p:nvPicPr>
+          <p:cNvPr id="8" name="Content Placeholder 7" descr="phone_check_logic.png"/>
+          <p:cNvPicPr>
+            <a:picLocks noGrp="1" noChangeAspect="1"/>
+          </p:cNvPicPr>
+          <p:nvPr>
+            <p:ph idx="1"/>
+          </p:nvPr>
+        </p:nvPicPr>
+        <p:blipFill>
+          <a:blip r:embed="rId2"/>
+          <a:stretch>
+            <a:fillRect/>
+          </a:stretch>
+        </p:blipFill>
+        <p:spPr>
+          <a:xfrm>
+            <a:off x="2157821" y="1200150"/>
+            <a:ext cx="6350770" cy="3394075"/>
+          </a:xfrm>
+        </p:spPr>
+      </p:pic>
+    </p:spTree>
+    <p:extLst>
+      <p:ext uri="{BB962C8B-B14F-4D97-AF65-F5344CB8AC3E}">
+        <p14:creationId xmlns="" xmlns:p14="http://schemas.microsoft.com/office/powerpoint/2010/main" val="416347667"/>
+      </p:ext>
+    </p:extLst>
+  </p:cSld>
+  <p:clrMapOvr>
+    <a:masterClrMapping/>
+  </p:clrMapOvr>
+  <p:timing>
+    <p:tnLst>
+      <p:par>
+        <p:cTn id="1" dur="indefinite" restart="never" nodeType="tmRoot"/>
+      </p:par>
+    </p:tnLst>
+  </p:timing>
+</p:sld>
+</file>
+
+<file path=ppt/slides/slide23.xml><?xml version="1.0" encoding="utf-8"?>
+<p:sld xmlns:a="http://schemas.openxmlformats.org/drawingml/2006/main" xmlns:r="http://schemas.openxmlformats.org/officeDocument/2006/relationships" xmlns:p="http://schemas.openxmlformats.org/presentationml/2006/main">
+  <p:cSld>
+    <p:spTree>
+      <p:nvGrpSpPr>
+        <p:cNvPr id="1" name=""/>
+        <p:cNvGrpSpPr/>
+        <p:nvPr/>
+      </p:nvGrpSpPr>
+      <p:grpSpPr>
+        <a:xfrm>
+          <a:off x="0" y="0"/>
+          <a:ext cx="0" cy="0"/>
+          <a:chOff x="0" y="0"/>
+          <a:chExt cx="0" cy="0"/>
+        </a:xfrm>
+      </p:grpSpPr>
+      <p:sp>
+        <p:nvSpPr>
+          <p:cNvPr id="2" name="Title 1"/>
+          <p:cNvSpPr>
+            <a:spLocks noGrp="1"/>
+          </p:cNvSpPr>
+          <p:nvPr>
+            <p:ph type="title"/>
+          </p:nvPr>
+        </p:nvSpPr>
+        <p:spPr/>
+        <p:txBody>
+          <a:bodyPr/>
+          <a:lstStyle/>
+          <a:p>
+            <a:r>
+              <a:rPr lang="lv-LV" dirty="0" smtClean="0"/>
+              <a:t>Secinājumi</a:t>
+            </a:r>
+            <a:endParaRPr lang="en-US" dirty="0"/>
+          </a:p>
+        </p:txBody>
+      </p:sp>
+      <p:sp>
+        <p:nvSpPr>
+          <p:cNvPr id="3" name="Content Placeholder 2"/>
+          <p:cNvSpPr>
+            <a:spLocks noGrp="1"/>
+          </p:cNvSpPr>
+          <p:nvPr>
+            <p:ph idx="1"/>
+          </p:nvPr>
+        </p:nvSpPr>
+        <p:spPr/>
+        <p:txBody>
+          <a:bodyPr/>
+          <a:lstStyle/>
+          <a:p>
+            <a:r>
+              <a:rPr lang="lv-LV" dirty="0" smtClean="0"/>
+              <a:t>Sarežģīta kodu apvienošanas shēma</a:t>
+            </a:r>
+          </a:p>
+          <a:p>
+            <a:r>
+              <a:rPr lang="lv-LV" dirty="0" smtClean="0"/>
+              <a:t>Sarežģīta koda struktūra</a:t>
+            </a:r>
+          </a:p>
+          <a:p>
+            <a:r>
+              <a:rPr lang="lv-LV" dirty="0" smtClean="0"/>
+              <a:t>Sarežģīta vides konfigurācija</a:t>
+            </a:r>
+          </a:p>
+          <a:p>
+            <a:r>
+              <a:rPr lang="lv-LV" dirty="0" smtClean="0"/>
+              <a:t>Trausla automātiskā kompilācijas servera vide (</a:t>
+            </a:r>
+            <a:r>
+              <a:rPr lang="lv-LV" dirty="0" err="1" smtClean="0"/>
+              <a:t>Buildbot</a:t>
+            </a:r>
+            <a:r>
+              <a:rPr lang="lv-LV" dirty="0" smtClean="0"/>
+              <a:t>)</a:t>
+            </a:r>
+            <a:endParaRPr lang="lv-LV" dirty="0" smtClean="0"/>
+          </a:p>
+        </p:txBody>
+      </p:sp>
+      <p:sp>
+        <p:nvSpPr>
+          <p:cNvPr id="4" name="Slide Number Placeholder 3"/>
+          <p:cNvSpPr>
+            <a:spLocks noGrp="1"/>
+          </p:cNvSpPr>
+          <p:nvPr>
+            <p:ph type="sldNum" sz="quarter" idx="12"/>
+          </p:nvPr>
+        </p:nvSpPr>
+        <p:spPr/>
+        <p:txBody>
+          <a:bodyPr/>
+          <a:lstStyle/>
+          <a:p>
+            <a:fld id="{57F272D7-7CCF-4E93-ABF6-394E7AD5E9BB}" type="slidenum">
+              <a:rPr lang="en-US" smtClean="0"/>
+              <a:pPr/>
+              <a:t>23</a:t>
+            </a:fld>
+            <a:endParaRPr lang="en-US"/>
+          </a:p>
+        </p:txBody>
+      </p:sp>
+    </p:spTree>
+    <p:extLst>
+      <p:ext uri="{BB962C8B-B14F-4D97-AF65-F5344CB8AC3E}">
+        <p14:creationId xmlns="" xmlns:p14="http://schemas.microsoft.com/office/powerpoint/2010/main" val="2166103376"/>
+      </p:ext>
+    </p:extLst>
+  </p:cSld>
+  <p:clrMapOvr>
+    <a:masterClrMapping/>
+  </p:clrMapOvr>
+  <p:timing>
+    <p:tnLst>
+      <p:par>
+        <p:cTn id="1" dur="indefinite" restart="never" nodeType="tmRoot"/>
+      </p:par>
+    </p:tnLst>
+  </p:timing>
+</p:sld>
+</file>
+
+<file path=ppt/slides/slide24.xml><?xml version="1.0" encoding="utf-8"?>
+<p:sld xmlns:a="http://schemas.openxmlformats.org/drawingml/2006/main" xmlns:r="http://schemas.openxmlformats.org/officeDocument/2006/relationships" xmlns:p="http://schemas.openxmlformats.org/presentationml/2006/main">
+  <p:cSld>
+    <p:spTree>
+      <p:nvGrpSpPr>
+        <p:cNvPr id="1" name=""/>
+        <p:cNvGrpSpPr/>
+        <p:nvPr/>
+      </p:nvGrpSpPr>
+      <p:grpSpPr>
+        <a:xfrm>
+          <a:off x="0" y="0"/>
+          <a:ext cx="0" cy="0"/>
+          <a:chOff x="0" y="0"/>
+          <a:chExt cx="0" cy="0"/>
+        </a:xfrm>
+      </p:grpSpPr>
+      <p:sp>
+        <p:nvSpPr>
+          <p:cNvPr id="2" name="Title 1"/>
+          <p:cNvSpPr>
+            <a:spLocks noGrp="1"/>
+          </p:cNvSpPr>
+          <p:nvPr>
+            <p:ph type="title"/>
+          </p:nvPr>
+        </p:nvSpPr>
+        <p:spPr/>
+        <p:txBody>
+          <a:bodyPr/>
+          <a:lstStyle/>
+          <a:p>
+            <a:r>
+              <a:rPr lang="lv-LV" dirty="0" smtClean="0"/>
+              <a:t>Ieteikumi</a:t>
+            </a:r>
+            <a:endParaRPr lang="en-US" dirty="0"/>
+          </a:p>
+        </p:txBody>
+      </p:sp>
+      <p:sp>
+        <p:nvSpPr>
+          <p:cNvPr id="3" name="Content Placeholder 2"/>
+          <p:cNvSpPr>
+            <a:spLocks noGrp="1"/>
+          </p:cNvSpPr>
+          <p:nvPr>
+            <p:ph idx="1"/>
+          </p:nvPr>
+        </p:nvSpPr>
+        <p:spPr/>
+        <p:txBody>
+          <a:bodyPr/>
+          <a:lstStyle/>
+          <a:p>
+            <a:r>
+              <a:rPr lang="lv-LV" dirty="0" smtClean="0"/>
+              <a:t>Nepieciešams izstrādāt automātisku vienību testu veikšanu</a:t>
+            </a:r>
+          </a:p>
+          <a:p>
+            <a:r>
+              <a:rPr lang="lv-LV" dirty="0" smtClean="0"/>
+              <a:t>Uzlabot dokumentāciju</a:t>
+            </a:r>
+          </a:p>
+          <a:p>
+            <a:r>
+              <a:rPr lang="lv-LV" dirty="0" smtClean="0"/>
+              <a:t>Uzlabot izstrādes vidu nodrošinājumu</a:t>
+            </a:r>
+            <a:endParaRPr lang="en-US" dirty="0"/>
+          </a:p>
+        </p:txBody>
+      </p:sp>
+      <p:sp>
+        <p:nvSpPr>
+          <p:cNvPr id="4" name="Slide Number Placeholder 3"/>
+          <p:cNvSpPr>
+            <a:spLocks noGrp="1"/>
+          </p:cNvSpPr>
+          <p:nvPr>
+            <p:ph type="sldNum" sz="quarter" idx="12"/>
+          </p:nvPr>
+        </p:nvSpPr>
+        <p:spPr/>
+        <p:txBody>
+          <a:bodyPr/>
+          <a:lstStyle/>
+          <a:p>
+            <a:fld id="{57F272D7-7CCF-4E93-ABF6-394E7AD5E9BB}" type="slidenum">
+              <a:rPr lang="en-US" smtClean="0"/>
+              <a:pPr/>
+              <a:t>24</a:t>
+            </a:fld>
+            <a:endParaRPr lang="en-US"/>
+          </a:p>
+        </p:txBody>
+      </p:sp>
+    </p:spTree>
+    <p:extLst>
+      <p:ext uri="{BB962C8B-B14F-4D97-AF65-F5344CB8AC3E}">
+        <p14:creationId xmlns="" xmlns:p14="http://schemas.microsoft.com/office/powerpoint/2010/main" val="3874352087"/>
       </p:ext>
     </p:extLst>
   </p:cSld>
@@ -2076,9 +4422,13 @@
               <a:t>T</a:t>
             </a:r>
             <a:r>
-              <a:rPr lang="lv-LV" dirty="0" smtClean="0"/>
+              <a:rPr lang="lv-LV" dirty="0" err="1" smtClean="0"/>
               <a:t>ehnoloģijas</a:t>
             </a:r>
+            <a:r>
+              <a:rPr lang="lv-LV" dirty="0" smtClean="0"/>
+              <a:t> (I)</a:t>
+            </a:r>
             <a:endParaRPr lang="en-US" dirty="0"/>
           </a:p>
         </p:txBody>
@@ -2100,7 +4450,47 @@
           <a:p>
             <a:r>
               <a:rPr lang="lv-LV" dirty="0" smtClean="0"/>
-              <a:t>Please on nice image</a:t>
+              <a:t>C++</a:t>
+            </a:r>
+            <a:endParaRPr lang="lv-LV" dirty="0" smtClean="0"/>
+          </a:p>
+          <a:p>
+            <a:r>
+              <a:rPr lang="lv-LV" dirty="0" err="1" smtClean="0"/>
+              <a:t>Oracle</a:t>
+            </a:r>
+            <a:r>
+              <a:rPr lang="lv-LV" dirty="0" smtClean="0"/>
+              <a:t> (datubāze, </a:t>
+            </a:r>
+            <a:r>
+              <a:rPr lang="lv-LV" dirty="0" err="1" smtClean="0"/>
+              <a:t>Tuxedo</a:t>
+            </a:r>
+            <a:r>
+              <a:rPr lang="lv-LV" dirty="0" smtClean="0"/>
+              <a:t>)</a:t>
+            </a:r>
+          </a:p>
+          <a:p>
+            <a:r>
+              <a:rPr lang="lv-LV" dirty="0" err="1" smtClean="0"/>
+              <a:t>Make</a:t>
+            </a:r>
+            <a:endParaRPr lang="lv-LV" dirty="0" smtClean="0"/>
+          </a:p>
+          <a:p>
+            <a:r>
+              <a:rPr lang="lv-LV" dirty="0" err="1" smtClean="0"/>
+              <a:t>Linux</a:t>
+            </a:r>
+            <a:r>
+              <a:rPr lang="lv-LV" dirty="0" smtClean="0"/>
+              <a:t> un </a:t>
+            </a:r>
+            <a:r>
+              <a:rPr lang="lv-LV" dirty="0" err="1" smtClean="0"/>
+              <a:t>Unix</a:t>
             </a:r>
             <a:endParaRPr lang="en-US" dirty="0"/>
           </a:p>
@@ -2123,6 +4513,7 @@
           <a:p>
             <a:fld id="{57F272D7-7CCF-4E93-ABF6-394E7AD5E9BB}" type="slidenum">
               <a:rPr lang="en-US" smtClean="0"/>
+              <a:pPr/>
               <a:t>3</a:t>
             </a:fld>
             <a:endParaRPr lang="en-US"/>
@@ -2132,7 +4523,7 @@
     </p:spTree>
     <p:extLst>
       <p:ext uri="{BB962C8B-B14F-4D97-AF65-F5344CB8AC3E}">
-        <p14:creationId xmlns:p14="http://schemas.microsoft.com/office/powerpoint/2010/main" val="3093017704"/>
+        <p14:creationId xmlns="" xmlns:p14="http://schemas.microsoft.com/office/powerpoint/2010/main" val="3093017704"/>
       </p:ext>
     </p:extLst>
   </p:cSld>
@@ -2182,8 +4573,16 @@
           <a:lstStyle/>
           <a:p>
             <a:r>
-              <a:rPr lang="lv-LV" dirty="0" smtClean="0"/>
-              <a:t>Eiro migrācija</a:t>
+              <a:rPr lang="en-US" dirty="0" smtClean="0"/>
+              <a:t>T</a:t>
+            </a:r>
+            <a:r>
+              <a:rPr lang="lv-LV" dirty="0" err="1" smtClean="0"/>
+              <a:t>ehnoloģijas</a:t>
+            </a:r>
+            <a:r>
+              <a:rPr lang="lv-LV" dirty="0" smtClean="0"/>
+              <a:t> (II)</a:t>
             </a:r>
             <a:endParaRPr lang="en-US" dirty="0"/>
           </a:p>
@@ -2205,8 +4604,28 @@
           <a:lstStyle/>
           <a:p>
             <a:r>
-              <a:rPr lang="lv-LV" dirty="0" smtClean="0"/>
-              <a:t>C++ izstrādes valoda un Tuxedo</a:t>
+              <a:rPr lang="lv-LV" dirty="0" err="1" smtClean="0"/>
+              <a:t>Git</a:t>
+            </a:r>
+            <a:endParaRPr lang="lv-LV" dirty="0" smtClean="0"/>
+          </a:p>
+          <a:p>
+            <a:r>
+              <a:rPr lang="lv-LV" dirty="0" err="1" smtClean="0"/>
+              <a:t>Buildbot</a:t>
+            </a:r>
+            <a:endParaRPr lang="lv-LV" dirty="0" smtClean="0"/>
+          </a:p>
+          <a:p>
+            <a:r>
+              <a:rPr lang="lv-LV" dirty="0" smtClean="0"/>
+              <a:t>JIRA</a:t>
+            </a:r>
+          </a:p>
+          <a:p>
+            <a:r>
+              <a:rPr lang="lv-LV" dirty="0" err="1" smtClean="0"/>
+              <a:t>Stash</a:t>
             </a:r>
             <a:endParaRPr lang="en-US" dirty="0"/>
           </a:p>
@@ -2229,6 +4648,7 @@
           <a:p>
             <a:fld id="{57F272D7-7CCF-4E93-ABF6-394E7AD5E9BB}" type="slidenum">
               <a:rPr lang="en-US" smtClean="0"/>
+              <a:pPr/>
               <a:t>4</a:t>
             </a:fld>
             <a:endParaRPr lang="en-US"/>
@@ -2238,7 +4658,7 @@
     </p:spTree>
     <p:extLst>
       <p:ext uri="{BB962C8B-B14F-4D97-AF65-F5344CB8AC3E}">
-        <p14:creationId xmlns:p14="http://schemas.microsoft.com/office/powerpoint/2010/main" val="416347667"/>
+        <p14:creationId xmlns="" xmlns:p14="http://schemas.microsoft.com/office/powerpoint/2010/main" val="3093017704"/>
       </p:ext>
     </p:extLst>
   </p:cSld>
@@ -2284,14 +4704,16 @@
         </p:nvSpPr>
         <p:spPr/>
         <p:txBody>
-          <a:bodyPr>
-            <a:normAutofit/>
-          </a:bodyPr>
-          <a:lstStyle/>
-          <a:p>
-            <a:r>
-              <a:rPr lang="lv-LV" dirty="0" smtClean="0"/>
-              <a:t>Kriptogrāfisko atslēgu mig.</a:t>
+          <a:bodyPr/>
+          <a:lstStyle/>
+          <a:p>
+            <a:r>
+              <a:rPr lang="en-US" dirty="0" smtClean="0"/>
+              <a:t>T</a:t>
+            </a:r>
+            <a:r>
+              <a:rPr lang="lv-LV" dirty="0" err="1" smtClean="0"/>
+              <a:t>estēšana</a:t>
             </a:r>
             <a:endParaRPr lang="en-US" dirty="0"/>
           </a:p>
@@ -2314,7 +4736,20 @@
           <a:p>
             <a:r>
               <a:rPr lang="lv-LV" dirty="0" smtClean="0"/>
-              <a:t>PL/SQL un SQL vaicājumu valoda</a:t>
+              <a:t>Vienību testi (izstrādātājs)</a:t>
+            </a:r>
+            <a:endParaRPr lang="lv-LV" dirty="0" smtClean="0"/>
+          </a:p>
+          <a:p>
+            <a:r>
+              <a:rPr lang="lv-LV" dirty="0" smtClean="0"/>
+              <a:t>Funkcionālie, regresijas, integrācijas u.c. Testi (testētāji)</a:t>
+            </a:r>
+          </a:p>
+          <a:p>
+            <a:r>
+              <a:rPr lang="lv-LV" dirty="0" smtClean="0"/>
+              <a:t>TAF (automatizēts testu veikšanas rīks)</a:t>
             </a:r>
             <a:endParaRPr lang="en-US" dirty="0"/>
           </a:p>
@@ -2337,6 +4772,7 @@
           <a:p>
             <a:fld id="{57F272D7-7CCF-4E93-ABF6-394E7AD5E9BB}" type="slidenum">
               <a:rPr lang="en-US" smtClean="0"/>
+              <a:pPr/>
               <a:t>5</a:t>
             </a:fld>
             <a:endParaRPr lang="en-US"/>
@@ -2346,7 +4782,7 @@
     </p:spTree>
     <p:extLst>
       <p:ext uri="{BB962C8B-B14F-4D97-AF65-F5344CB8AC3E}">
-        <p14:creationId xmlns:p14="http://schemas.microsoft.com/office/powerpoint/2010/main" val="1774579012"/>
+        <p14:creationId xmlns="" xmlns:p14="http://schemas.microsoft.com/office/powerpoint/2010/main" val="3093017704"/>
       </p:ext>
     </p:extLst>
   </p:cSld>
@@ -2397,7 +4833,11 @@
           <a:p>
             <a:r>
               <a:rPr lang="lv-LV" dirty="0" smtClean="0"/>
-              <a:t>Profila parametru migrācija</a:t>
+              <a:t>Eiro </a:t>
+            </a:r>
+            <a:r>
+              <a:rPr lang="lv-LV" dirty="0" smtClean="0"/>
+              <a:t>migrācija (I)</a:t>
             </a:r>
             <a:endParaRPr lang="en-US" dirty="0"/>
           </a:p>
@@ -2413,15 +4853,42 @@
             <p:ph idx="1"/>
           </p:nvPr>
         </p:nvSpPr>
-        <p:spPr/>
-        <p:txBody>
-          <a:bodyPr/>
-          <a:lstStyle/>
-          <a:p>
-            <a:r>
-              <a:rPr lang="lv-LV" dirty="0" smtClean="0"/>
-              <a:t>PL/SQL un SQL vaicājumu valoda</a:t>
-            </a:r>
+        <p:spPr>
+          <a:xfrm>
+            <a:off x="1905000" y="2876550"/>
+            <a:ext cx="6707088" cy="1904999"/>
+          </a:xfrm>
+        </p:spPr>
+        <p:txBody>
+          <a:bodyPr>
+            <a:normAutofit/>
+          </a:bodyPr>
+          <a:lstStyle/>
+          <a:p>
+            <a:r>
+              <a:rPr lang="lv-LV" dirty="0" smtClean="0"/>
+              <a:t>C++ izstrādes </a:t>
+            </a:r>
+            <a:r>
+              <a:rPr lang="lv-LV" dirty="0" smtClean="0"/>
+              <a:t>valoda</a:t>
+            </a:r>
+          </a:p>
+          <a:p>
+            <a:r>
+              <a:rPr lang="lv-LV" dirty="0" err="1" smtClean="0"/>
+              <a:t>Tuxedo</a:t>
+            </a:r>
+            <a:endParaRPr lang="lv-LV" dirty="0" smtClean="0"/>
+          </a:p>
+          <a:p>
+            <a:r>
+              <a:rPr lang="lv-LV" dirty="0" smtClean="0"/>
+              <a:t>PL/SQL un SQL</a:t>
+            </a:r>
+            <a:endParaRPr lang="lv-LV" dirty="0" smtClean="0"/>
+          </a:p>
+          <a:p>
             <a:endParaRPr lang="en-US" dirty="0"/>
           </a:p>
         </p:txBody>
@@ -2443,16 +4910,141 @@
           <a:p>
             <a:fld id="{57F272D7-7CCF-4E93-ABF6-394E7AD5E9BB}" type="slidenum">
               <a:rPr lang="en-US" smtClean="0"/>
+              <a:pPr/>
               <a:t>6</a:t>
             </a:fld>
             <a:endParaRPr lang="en-US"/>
           </a:p>
         </p:txBody>
       </p:sp>
+      <p:sp>
+        <p:nvSpPr>
+          <p:cNvPr id="12" name="Content Placeholder 2"/>
+          <p:cNvSpPr txBox="1">
+            <a:spLocks/>
+          </p:cNvSpPr>
+          <p:nvPr/>
+        </p:nvSpPr>
+        <p:spPr>
+          <a:xfrm>
+            <a:off x="2057400" y="1200151"/>
+            <a:ext cx="6707088" cy="1524000"/>
+          </a:xfrm>
+          <a:prstGeom prst="rect">
+            <a:avLst/>
+          </a:prstGeom>
+        </p:spPr>
+        <p:txBody>
+          <a:bodyPr vert="horz" lIns="91440" tIns="45720" rIns="91440" bIns="45720" rtlCol="0">
+            <a:normAutofit/>
+          </a:bodyPr>
+          <a:lstStyle/>
+          <a:p>
+            <a:pPr marL="342900" marR="0" lvl="0" indent="-342900" algn="l" defTabSz="914400" rtl="0" eaLnBrk="1" fontAlgn="auto" latinLnBrk="0" hangingPunct="1">
+              <a:lnSpc>
+                <a:spcPct val="100000"/>
+              </a:lnSpc>
+              <a:spcBef>
+                <a:spcPct val="20000"/>
+              </a:spcBef>
+              <a:spcAft>
+                <a:spcPts val="0"/>
+              </a:spcAft>
+              <a:buClrTx/>
+              <a:buSzTx/>
+              <a:buFont typeface="Arial" panose="020B0604020202020204" pitchFamily="34" charset="0"/>
+              <a:buChar char="•"/>
+              <a:tabLst/>
+              <a:defRPr/>
+            </a:pPr>
+            <a:r>
+              <a:rPr lang="lv-LV" sz="3200" dirty="0" smtClean="0"/>
+              <a:t>Mērķis – atjaunot ziņa rindā</a:t>
+            </a:r>
+            <a:endParaRPr kumimoji="0" lang="lv-LV" sz="3200" b="0" i="0" u="none" strike="noStrike" kern="1200" cap="none" spc="0" normalizeH="0" baseline="0" noProof="0" dirty="0" smtClean="0">
+              <a:ln>
+                <a:noFill/>
+              </a:ln>
+              <a:solidFill>
+                <a:schemeClr val="tx1"/>
+              </a:solidFill>
+              <a:effectLst/>
+              <a:uLnTx/>
+              <a:uFillTx/>
+              <a:latin typeface="+mn-lt"/>
+              <a:ea typeface="+mn-ea"/>
+              <a:cs typeface="+mn-cs"/>
+            </a:endParaRPr>
+          </a:p>
+          <a:p>
+            <a:pPr marL="342900" marR="0" lvl="0" indent="-342900" algn="l" defTabSz="914400" rtl="0" eaLnBrk="1" fontAlgn="auto" latinLnBrk="0" hangingPunct="1">
+              <a:lnSpc>
+                <a:spcPct val="100000"/>
+              </a:lnSpc>
+              <a:spcBef>
+                <a:spcPct val="20000"/>
+              </a:spcBef>
+              <a:spcAft>
+                <a:spcPts val="0"/>
+              </a:spcAft>
+              <a:buClrTx/>
+              <a:buSzTx/>
+              <a:buFont typeface="Arial" panose="020B0604020202020204" pitchFamily="34" charset="0"/>
+              <a:buChar char="•"/>
+              <a:tabLst/>
+              <a:defRPr/>
+            </a:pPr>
+            <a:endParaRPr kumimoji="0" lang="en-US" sz="3200" b="0" i="0" u="none" strike="noStrike" kern="1200" cap="none" spc="0" normalizeH="0" baseline="0" noProof="0" dirty="0">
+              <a:ln>
+                <a:noFill/>
+              </a:ln>
+              <a:solidFill>
+                <a:schemeClr val="tx1"/>
+              </a:solidFill>
+              <a:effectLst/>
+              <a:uLnTx/>
+              <a:uFillTx/>
+              <a:latin typeface="+mn-lt"/>
+              <a:ea typeface="+mn-ea"/>
+              <a:cs typeface="+mn-cs"/>
+            </a:endParaRPr>
+          </a:p>
+        </p:txBody>
+      </p:sp>
+      <p:sp>
+        <p:nvSpPr>
+          <p:cNvPr id="13" name="TextBox 12"/>
+          <p:cNvSpPr txBox="1"/>
+          <p:nvPr/>
+        </p:nvSpPr>
+        <p:spPr>
+          <a:xfrm>
+            <a:off x="1828800" y="2724150"/>
+            <a:ext cx="1424967" cy="369332"/>
+          </a:xfrm>
+          <a:prstGeom prst="rect">
+            <a:avLst/>
+          </a:prstGeom>
+          <a:noFill/>
+        </p:spPr>
+        <p:txBody>
+          <a:bodyPr wrap="square" rtlCol="0">
+            <a:spAutoFit/>
+          </a:bodyPr>
+          <a:lstStyle/>
+          <a:p>
+            <a:r>
+              <a:rPr lang="lv-LV" dirty="0" smtClean="0"/>
+              <a:t>Tehnoloģijas</a:t>
+            </a:r>
+            <a:endParaRPr lang="en-US" dirty="0"/>
+          </a:p>
+        </p:txBody>
+      </p:sp>
     </p:spTree>
     <p:extLst>
       <p:ext uri="{BB962C8B-B14F-4D97-AF65-F5344CB8AC3E}">
-        <p14:creationId xmlns:p14="http://schemas.microsoft.com/office/powerpoint/2010/main" val="416347667"/>
+        <p14:creationId xmlns="" xmlns:p14="http://schemas.microsoft.com/office/powerpoint/2010/main" val="416347667"/>
       </p:ext>
     </p:extLst>
   </p:cSld>
@@ -2498,35 +5090,18 @@
         </p:nvSpPr>
         <p:spPr/>
         <p:txBody>
-          <a:bodyPr/>
-          <a:lstStyle/>
-          <a:p>
-            <a:r>
-              <a:rPr lang="lv-LV" dirty="0" smtClean="0"/>
-              <a:t>Vaicājuma optimizācija</a:t>
-            </a:r>
-            <a:endParaRPr lang="en-US" dirty="0"/>
-          </a:p>
-        </p:txBody>
-      </p:sp>
-      <p:sp>
-        <p:nvSpPr>
-          <p:cNvPr id="3" name="Content Placeholder 2"/>
-          <p:cNvSpPr>
-            <a:spLocks noGrp="1"/>
-          </p:cNvSpPr>
-          <p:nvPr>
-            <p:ph idx="1"/>
-          </p:nvPr>
-        </p:nvSpPr>
-        <p:spPr/>
-        <p:txBody>
-          <a:bodyPr/>
-          <a:lstStyle/>
-          <a:p>
-            <a:r>
-              <a:rPr lang="lv-LV" dirty="0" smtClean="0"/>
-              <a:t>SQL vaicājumu valoda</a:t>
+          <a:bodyPr>
+            <a:normAutofit fontScale="90000"/>
+          </a:bodyPr>
+          <a:lstStyle/>
+          <a:p>
+            <a:r>
+              <a:rPr lang="lv-LV" dirty="0" smtClean="0"/>
+              <a:t>Eiro </a:t>
+            </a:r>
+            <a:r>
+              <a:rPr lang="lv-LV" dirty="0" smtClean="0"/>
+              <a:t>migrācija (II) (nosacījumi)</a:t>
             </a:r>
             <a:endParaRPr lang="en-US" dirty="0"/>
           </a:p>
@@ -2549,16 +5124,41 @@
           <a:p>
             <a:fld id="{57F272D7-7CCF-4E93-ABF6-394E7AD5E9BB}" type="slidenum">
               <a:rPr lang="en-US" smtClean="0"/>
+              <a:pPr/>
               <a:t>7</a:t>
             </a:fld>
             <a:endParaRPr lang="en-US"/>
           </a:p>
         </p:txBody>
       </p:sp>
+      <p:pic>
+        <p:nvPicPr>
+          <p:cNvPr id="6" name="Picture 5" descr="euro_migration_rules.png"/>
+          <p:cNvPicPr>
+            <a:picLocks noChangeAspect="1"/>
+          </p:cNvPicPr>
+          <p:nvPr/>
+        </p:nvPicPr>
+        <p:blipFill>
+          <a:blip r:embed="rId2"/>
+          <a:stretch>
+            <a:fillRect/>
+          </a:stretch>
+        </p:blipFill>
+        <p:spPr>
+          <a:xfrm>
+            <a:off x="1828800" y="1733550"/>
+            <a:ext cx="7086600" cy="2235200"/>
+          </a:xfrm>
+          <a:prstGeom prst="rect">
+            <a:avLst/>
+          </a:prstGeom>
+        </p:spPr>
+      </p:pic>
     </p:spTree>
     <p:extLst>
       <p:ext uri="{BB962C8B-B14F-4D97-AF65-F5344CB8AC3E}">
-        <p14:creationId xmlns:p14="http://schemas.microsoft.com/office/powerpoint/2010/main" val="2799385361"/>
+        <p14:creationId xmlns="" xmlns:p14="http://schemas.microsoft.com/office/powerpoint/2010/main" val="416347667"/>
       </p:ext>
     </p:extLst>
   </p:cSld>
@@ -2604,35 +5204,18 @@
         </p:nvSpPr>
         <p:spPr/>
         <p:txBody>
-          <a:bodyPr/>
-          <a:lstStyle/>
-          <a:p>
-            <a:r>
-              <a:rPr lang="lv-LV" dirty="0" smtClean="0"/>
-              <a:t>Secinājumi</a:t>
-            </a:r>
-            <a:endParaRPr lang="en-US" dirty="0"/>
-          </a:p>
-        </p:txBody>
-      </p:sp>
-      <p:sp>
-        <p:nvSpPr>
-          <p:cNvPr id="3" name="Content Placeholder 2"/>
-          <p:cNvSpPr>
-            <a:spLocks noGrp="1"/>
-          </p:cNvSpPr>
-          <p:nvPr>
-            <p:ph idx="1"/>
-          </p:nvPr>
-        </p:nvSpPr>
-        <p:spPr/>
-        <p:txBody>
-          <a:bodyPr/>
-          <a:lstStyle/>
-          <a:p>
-            <a:r>
-              <a:rPr lang="lv-LV" dirty="0" smtClean="0"/>
-              <a:t>Man sāp celis, ja kāds man iesit pa celi</a:t>
+          <a:bodyPr>
+            <a:normAutofit/>
+          </a:bodyPr>
+          <a:lstStyle/>
+          <a:p>
+            <a:r>
+              <a:rPr lang="lv-LV" dirty="0" smtClean="0"/>
+              <a:t>Eiro </a:t>
+            </a:r>
+            <a:r>
+              <a:rPr lang="lv-LV" dirty="0" smtClean="0"/>
+              <a:t>migrācija (III) (dati)</a:t>
             </a:r>
             <a:endParaRPr lang="en-US" dirty="0"/>
           </a:p>
@@ -2655,16 +5238,41 @@
           <a:p>
             <a:fld id="{57F272D7-7CCF-4E93-ABF6-394E7AD5E9BB}" type="slidenum">
               <a:rPr lang="en-US" smtClean="0"/>
+              <a:pPr/>
               <a:t>8</a:t>
             </a:fld>
             <a:endParaRPr lang="en-US"/>
           </a:p>
         </p:txBody>
       </p:sp>
+      <p:pic>
+        <p:nvPicPr>
+          <p:cNvPr id="8" name="Picture 7" descr="euro_migration_query.png"/>
+          <p:cNvPicPr>
+            <a:picLocks noChangeAspect="1"/>
+          </p:cNvPicPr>
+          <p:nvPr/>
+        </p:nvPicPr>
+        <p:blipFill>
+          <a:blip r:embed="rId2"/>
+          <a:stretch>
+            <a:fillRect/>
+          </a:stretch>
+        </p:blipFill>
+        <p:spPr>
+          <a:xfrm>
+            <a:off x="1905000" y="1276350"/>
+            <a:ext cx="7162800" cy="2977116"/>
+          </a:xfrm>
+          <a:prstGeom prst="rect">
+            <a:avLst/>
+          </a:prstGeom>
+        </p:spPr>
+      </p:pic>
     </p:spTree>
     <p:extLst>
       <p:ext uri="{BB962C8B-B14F-4D97-AF65-F5344CB8AC3E}">
-        <p14:creationId xmlns:p14="http://schemas.microsoft.com/office/powerpoint/2010/main" val="2166103376"/>
+        <p14:creationId xmlns="" xmlns:p14="http://schemas.microsoft.com/office/powerpoint/2010/main" val="416347667"/>
       </p:ext>
     </p:extLst>
   </p:cSld>
@@ -2710,37 +5318,20 @@
         </p:nvSpPr>
         <p:spPr/>
         <p:txBody>
-          <a:bodyPr/>
-          <a:lstStyle/>
-          <a:p>
-            <a:r>
-              <a:rPr lang="lv-LV" dirty="0" smtClean="0"/>
-              <a:t>Ieteikumi</a:t>
-            </a:r>
-            <a:endParaRPr lang="en-US" dirty="0"/>
-          </a:p>
-        </p:txBody>
-      </p:sp>
-      <p:sp>
-        <p:nvSpPr>
-          <p:cNvPr id="3" name="Content Placeholder 2"/>
-          <p:cNvSpPr>
-            <a:spLocks noGrp="1"/>
-          </p:cNvSpPr>
-          <p:nvPr>
-            <p:ph idx="1"/>
-          </p:nvPr>
-        </p:nvSpPr>
-        <p:spPr/>
-        <p:txBody>
-          <a:bodyPr/>
-          <a:lstStyle/>
-          <a:p>
-            <a:r>
-              <a:rPr lang="lv-LV" dirty="0" smtClean="0"/>
-              <a:t>Kads ceļ ir nepieciešams pagriezt rokas</a:t>
-            </a:r>
-            <a:endParaRPr lang="en-US" dirty="0"/>
+          <a:bodyPr>
+            <a:normAutofit/>
+          </a:bodyPr>
+          <a:lstStyle/>
+          <a:p>
+            <a:r>
+              <a:rPr lang="lv-LV" sz="3600" dirty="0" smtClean="0"/>
+              <a:t>Eiro </a:t>
+            </a:r>
+            <a:r>
+              <a:rPr lang="lv-LV" sz="3600" dirty="0" smtClean="0"/>
+              <a:t>migrācija (IV) (atjaunošana)</a:t>
+            </a:r>
+            <a:endParaRPr lang="en-US" sz="3600" dirty="0"/>
           </a:p>
         </p:txBody>
       </p:sp>
@@ -2761,16 +5352,41 @@
           <a:p>
             <a:fld id="{57F272D7-7CCF-4E93-ABF6-394E7AD5E9BB}" type="slidenum">
               <a:rPr lang="en-US" smtClean="0"/>
+              <a:pPr/>
               <a:t>9</a:t>
             </a:fld>
             <a:endParaRPr lang="en-US"/>
           </a:p>
         </p:txBody>
       </p:sp>
+      <p:pic>
+        <p:nvPicPr>
+          <p:cNvPr id="5" name="Picture 4" descr="euro_migration_field_updating.png"/>
+          <p:cNvPicPr>
+            <a:picLocks noChangeAspect="1"/>
+          </p:cNvPicPr>
+          <p:nvPr/>
+        </p:nvPicPr>
+        <p:blipFill>
+          <a:blip r:embed="rId2"/>
+          <a:stretch>
+            <a:fillRect/>
+          </a:stretch>
+        </p:blipFill>
+        <p:spPr>
+          <a:xfrm>
+            <a:off x="1893206" y="2190750"/>
+            <a:ext cx="7250794" cy="914286"/>
+          </a:xfrm>
+          <a:prstGeom prst="rect">
+            <a:avLst/>
+          </a:prstGeom>
+        </p:spPr>
+      </p:pic>
     </p:spTree>
     <p:extLst>
       <p:ext uri="{BB962C8B-B14F-4D97-AF65-F5344CB8AC3E}">
-        <p14:creationId xmlns:p14="http://schemas.microsoft.com/office/powerpoint/2010/main" val="3874352087"/>
+        <p14:creationId xmlns="" xmlns:p14="http://schemas.microsoft.com/office/powerpoint/2010/main" val="416347667"/>
       </p:ext>
     </p:extLst>
   </p:cSld>
